--- a/PropTech Interview Assessment.pptx
+++ b/PropTech Interview Assessment.pptx
@@ -16,28 +16,30 @@
     <p:sldId id="267" r:id="rId10"/>
     <p:sldId id="268" r:id="rId11"/>
     <p:sldId id="271" r:id="rId12"/>
-    <p:sldId id="261" r:id="rId13"/>
-    <p:sldId id="270" r:id="rId14"/>
-    <p:sldId id="272" r:id="rId15"/>
-    <p:sldId id="266" r:id="rId16"/>
-    <p:sldId id="258" r:id="rId17"/>
-    <p:sldId id="259" r:id="rId18"/>
-    <p:sldId id="274" r:id="rId19"/>
-    <p:sldId id="273" r:id="rId20"/>
-    <p:sldId id="275" r:id="rId21"/>
-    <p:sldId id="277" r:id="rId22"/>
-    <p:sldId id="276" r:id="rId23"/>
-    <p:sldId id="278" r:id="rId24"/>
-    <p:sldId id="279" r:id="rId25"/>
-    <p:sldId id="280" r:id="rId26"/>
-    <p:sldId id="281" r:id="rId27"/>
-    <p:sldId id="282" r:id="rId28"/>
-    <p:sldId id="283" r:id="rId29"/>
-    <p:sldId id="284" r:id="rId30"/>
-    <p:sldId id="286" r:id="rId31"/>
-    <p:sldId id="288" r:id="rId32"/>
-    <p:sldId id="287" r:id="rId33"/>
-    <p:sldId id="285" r:id="rId34"/>
+    <p:sldId id="289" r:id="rId13"/>
+    <p:sldId id="290" r:id="rId14"/>
+    <p:sldId id="261" r:id="rId15"/>
+    <p:sldId id="270" r:id="rId16"/>
+    <p:sldId id="272" r:id="rId17"/>
+    <p:sldId id="266" r:id="rId18"/>
+    <p:sldId id="258" r:id="rId19"/>
+    <p:sldId id="259" r:id="rId20"/>
+    <p:sldId id="274" r:id="rId21"/>
+    <p:sldId id="273" r:id="rId22"/>
+    <p:sldId id="275" r:id="rId23"/>
+    <p:sldId id="277" r:id="rId24"/>
+    <p:sldId id="276" r:id="rId25"/>
+    <p:sldId id="278" r:id="rId26"/>
+    <p:sldId id="279" r:id="rId27"/>
+    <p:sldId id="280" r:id="rId28"/>
+    <p:sldId id="281" r:id="rId29"/>
+    <p:sldId id="282" r:id="rId30"/>
+    <p:sldId id="283" r:id="rId31"/>
+    <p:sldId id="284" r:id="rId32"/>
+    <p:sldId id="286" r:id="rId33"/>
+    <p:sldId id="288" r:id="rId34"/>
+    <p:sldId id="287" r:id="rId35"/>
+    <p:sldId id="285" r:id="rId36"/>
   </p:sldIdLst>
   <p:sldSz cx="12192000" cy="6858000"/>
   <p:notesSz cx="6858000" cy="9144000"/>
@@ -293,7 +295,7 @@
           <a:p>
             <a:fld id="{95FAAF1F-CB1D-4EB9-ABDB-4C2B55B70850}" type="datetimeFigureOut">
               <a:rPr lang="en-GB" smtClean="0"/>
-              <a:t>20/05/2021</a:t>
+              <a:t>21/05/2021</a:t>
             </a:fld>
             <a:endParaRPr lang="en-GB"/>
           </a:p>
@@ -493,7 +495,7 @@
           <a:p>
             <a:fld id="{95FAAF1F-CB1D-4EB9-ABDB-4C2B55B70850}" type="datetimeFigureOut">
               <a:rPr lang="en-GB" smtClean="0"/>
-              <a:t>20/05/2021</a:t>
+              <a:t>21/05/2021</a:t>
             </a:fld>
             <a:endParaRPr lang="en-GB"/>
           </a:p>
@@ -703,7 +705,7 @@
           <a:p>
             <a:fld id="{95FAAF1F-CB1D-4EB9-ABDB-4C2B55B70850}" type="datetimeFigureOut">
               <a:rPr lang="en-GB" smtClean="0"/>
-              <a:t>20/05/2021</a:t>
+              <a:t>21/05/2021</a:t>
             </a:fld>
             <a:endParaRPr lang="en-GB"/>
           </a:p>
@@ -903,7 +905,7 @@
           <a:p>
             <a:fld id="{95FAAF1F-CB1D-4EB9-ABDB-4C2B55B70850}" type="datetimeFigureOut">
               <a:rPr lang="en-GB" smtClean="0"/>
-              <a:t>20/05/2021</a:t>
+              <a:t>21/05/2021</a:t>
             </a:fld>
             <a:endParaRPr lang="en-GB"/>
           </a:p>
@@ -1179,7 +1181,7 @@
           <a:p>
             <a:fld id="{95FAAF1F-CB1D-4EB9-ABDB-4C2B55B70850}" type="datetimeFigureOut">
               <a:rPr lang="en-GB" smtClean="0"/>
-              <a:t>20/05/2021</a:t>
+              <a:t>21/05/2021</a:t>
             </a:fld>
             <a:endParaRPr lang="en-GB"/>
           </a:p>
@@ -1447,7 +1449,7 @@
           <a:p>
             <a:fld id="{95FAAF1F-CB1D-4EB9-ABDB-4C2B55B70850}" type="datetimeFigureOut">
               <a:rPr lang="en-GB" smtClean="0"/>
-              <a:t>20/05/2021</a:t>
+              <a:t>21/05/2021</a:t>
             </a:fld>
             <a:endParaRPr lang="en-GB"/>
           </a:p>
@@ -1862,7 +1864,7 @@
           <a:p>
             <a:fld id="{95FAAF1F-CB1D-4EB9-ABDB-4C2B55B70850}" type="datetimeFigureOut">
               <a:rPr lang="en-GB" smtClean="0"/>
-              <a:t>20/05/2021</a:t>
+              <a:t>21/05/2021</a:t>
             </a:fld>
             <a:endParaRPr lang="en-GB"/>
           </a:p>
@@ -2004,7 +2006,7 @@
           <a:p>
             <a:fld id="{95FAAF1F-CB1D-4EB9-ABDB-4C2B55B70850}" type="datetimeFigureOut">
               <a:rPr lang="en-GB" smtClean="0"/>
-              <a:t>20/05/2021</a:t>
+              <a:t>21/05/2021</a:t>
             </a:fld>
             <a:endParaRPr lang="en-GB"/>
           </a:p>
@@ -2117,7 +2119,7 @@
           <a:p>
             <a:fld id="{95FAAF1F-CB1D-4EB9-ABDB-4C2B55B70850}" type="datetimeFigureOut">
               <a:rPr lang="en-GB" smtClean="0"/>
-              <a:t>20/05/2021</a:t>
+              <a:t>21/05/2021</a:t>
             </a:fld>
             <a:endParaRPr lang="en-GB"/>
           </a:p>
@@ -2430,7 +2432,7 @@
           <a:p>
             <a:fld id="{95FAAF1F-CB1D-4EB9-ABDB-4C2B55B70850}" type="datetimeFigureOut">
               <a:rPr lang="en-GB" smtClean="0"/>
-              <a:t>20/05/2021</a:t>
+              <a:t>21/05/2021</a:t>
             </a:fld>
             <a:endParaRPr lang="en-GB"/>
           </a:p>
@@ -2719,7 +2721,7 @@
           <a:p>
             <a:fld id="{95FAAF1F-CB1D-4EB9-ABDB-4C2B55B70850}" type="datetimeFigureOut">
               <a:rPr lang="en-GB" smtClean="0"/>
-              <a:t>20/05/2021</a:t>
+              <a:t>21/05/2021</a:t>
             </a:fld>
             <a:endParaRPr lang="en-GB"/>
           </a:p>
@@ -2962,7 +2964,7 @@
           <a:p>
             <a:fld id="{95FAAF1F-CB1D-4EB9-ABDB-4C2B55B70850}" type="datetimeFigureOut">
               <a:rPr lang="en-GB" smtClean="0"/>
-              <a:t>20/05/2021</a:t>
+              <a:t>21/05/2021</a:t>
             </a:fld>
             <a:endParaRPr lang="en-GB"/>
           </a:p>
@@ -3773,7 +3775,7 @@
           <p:cNvPr id="2" name="Title 1">
             <a:extLst>
               <a:ext uri="{FF2B5EF4-FFF2-40B4-BE49-F238E27FC236}">
-                <a16:creationId xmlns:a16="http://schemas.microsoft.com/office/drawing/2014/main" id="{26319D37-4A04-4E0A-B8E3-1B655FAB1FA7}"/>
+                <a16:creationId xmlns:a16="http://schemas.microsoft.com/office/drawing/2014/main" id="{397F24C8-4AE0-45EF-91E5-667CE4ACE763}"/>
               </a:ext>
             </a:extLst>
           </p:cNvPr>
@@ -3791,7 +3793,7 @@
           <a:p>
             <a:r>
               <a:rPr lang="en-US" dirty="0"/>
-              <a:t>Correlation Plot</a:t>
+              <a:t>Distribution of Features…</a:t>
             </a:r>
             <a:endParaRPr lang="en-GB" dirty="0"/>
           </a:p>
@@ -3799,10 +3801,10 @@
       </p:sp>
       <p:sp>
         <p:nvSpPr>
-          <p:cNvPr id="3" name="Content Placeholder 2">
-            <a:extLst>
-              <a:ext uri="{FF2B5EF4-FFF2-40B4-BE49-F238E27FC236}">
-                <a16:creationId xmlns:a16="http://schemas.microsoft.com/office/drawing/2014/main" id="{0EE3156C-78A5-40A8-ADDC-E0B2D90D9A0A}"/>
+          <p:cNvPr id="4" name="Content Placeholder 3">
+            <a:extLst>
+              <a:ext uri="{FF2B5EF4-FFF2-40B4-BE49-F238E27FC236}">
+                <a16:creationId xmlns:a16="http://schemas.microsoft.com/office/drawing/2014/main" id="{5639653B-2FEE-4CF4-A63B-33C577A43507}"/>
               </a:ext>
             </a:extLst>
           </p:cNvPr>
@@ -3813,30 +3815,21 @@
             <p:ph idx="1"/>
           </p:nvPr>
         </p:nvSpPr>
-        <p:spPr>
-          <a:xfrm>
-            <a:off x="838200" y="1575881"/>
-            <a:ext cx="10515600" cy="4601082"/>
-          </a:xfrm>
-        </p:spPr>
-        <p:txBody>
-          <a:bodyPr/>
-          <a:lstStyle/>
-          <a:p>
-            <a:r>
-              <a:rPr lang="en-US" dirty="0"/>
-              <a:t>February, March and December are having equally weighed PCA Component Bars in bar plot, their correlation are also relatively higher</a:t>
-            </a:r>
+        <p:spPr/>
+        <p:txBody>
+          <a:bodyPr/>
+          <a:lstStyle/>
+          <a:p>
             <a:endParaRPr lang="en-GB" dirty="0"/>
           </a:p>
         </p:txBody>
       </p:sp>
       <p:pic>
         <p:nvPicPr>
-          <p:cNvPr id="5" name="Picture 4">
-            <a:extLst>
-              <a:ext uri="{FF2B5EF4-FFF2-40B4-BE49-F238E27FC236}">
-                <a16:creationId xmlns:a16="http://schemas.microsoft.com/office/drawing/2014/main" id="{29DAC285-3039-4E15-9F78-6C66CB0B3B68}"/>
+          <p:cNvPr id="8" name="Picture 7">
+            <a:extLst>
+              <a:ext uri="{FF2B5EF4-FFF2-40B4-BE49-F238E27FC236}">
+                <a16:creationId xmlns:a16="http://schemas.microsoft.com/office/drawing/2014/main" id="{A49A5CE3-FE4D-4A63-A71E-669F8C5E1696}"/>
               </a:ext>
             </a:extLst>
           </p:cNvPr>
@@ -3846,21 +3839,15 @@
           <p:nvPr/>
         </p:nvPicPr>
         <p:blipFill>
-          <a:blip r:embed="rId2">
-            <a:extLst>
-              <a:ext uri="{28A0092B-C50C-407E-A947-70E740481C1C}">
-                <a14:useLocalDpi xmlns:a14="http://schemas.microsoft.com/office/drawing/2010/main" val="0"/>
-              </a:ext>
-            </a:extLst>
-          </a:blip>
+          <a:blip r:embed="rId2"/>
           <a:stretch>
             <a:fillRect/>
           </a:stretch>
         </p:blipFill>
         <p:spPr>
           <a:xfrm>
-            <a:off x="6393692" y="2645872"/>
-            <a:ext cx="5662121" cy="3871609"/>
+            <a:off x="735857" y="1396206"/>
+            <a:ext cx="4552950" cy="5210175"/>
           </a:xfrm>
           <a:prstGeom prst="rect">
             <a:avLst/>
@@ -3869,10 +3856,10 @@
       </p:pic>
       <p:pic>
         <p:nvPicPr>
-          <p:cNvPr id="7" name="Picture 6">
-            <a:extLst>
-              <a:ext uri="{FF2B5EF4-FFF2-40B4-BE49-F238E27FC236}">
-                <a16:creationId xmlns:a16="http://schemas.microsoft.com/office/drawing/2014/main" id="{0F6B14EF-FBB5-46AE-849B-6069B8B06C1A}"/>
+          <p:cNvPr id="10" name="Picture 9">
+            <a:extLst>
+              <a:ext uri="{FF2B5EF4-FFF2-40B4-BE49-F238E27FC236}">
+                <a16:creationId xmlns:a16="http://schemas.microsoft.com/office/drawing/2014/main" id="{2EE16DAC-2AA6-40FE-A84D-60DCE819D966}"/>
               </a:ext>
             </a:extLst>
           </p:cNvPr>
@@ -3882,21 +3869,15 @@
           <p:nvPr/>
         </p:nvPicPr>
         <p:blipFill>
-          <a:blip r:embed="rId3">
-            <a:extLst>
-              <a:ext uri="{28A0092B-C50C-407E-A947-70E740481C1C}">
-                <a14:useLocalDpi xmlns:a14="http://schemas.microsoft.com/office/drawing/2010/main" val="0"/>
-              </a:ext>
-            </a:extLst>
-          </a:blip>
+          <a:blip r:embed="rId3"/>
           <a:stretch>
             <a:fillRect/>
           </a:stretch>
         </p:blipFill>
         <p:spPr>
           <a:xfrm>
-            <a:off x="296394" y="2645871"/>
-            <a:ext cx="5662122" cy="3871610"/>
+            <a:off x="6979393" y="1262856"/>
+            <a:ext cx="4476750" cy="5343525"/>
           </a:xfrm>
           <a:prstGeom prst="rect">
             <a:avLst/>
@@ -3906,7 +3887,7 @@
     </p:spTree>
     <p:extLst>
       <p:ext uri="{BB962C8B-B14F-4D97-AF65-F5344CB8AC3E}">
-        <p14:creationId xmlns:p14="http://schemas.microsoft.com/office/powerpoint/2010/main" val="2143012300"/>
+        <p14:creationId xmlns:p14="http://schemas.microsoft.com/office/powerpoint/2010/main" val="2235057947"/>
       </p:ext>
     </p:extLst>
   </p:cSld>
@@ -3938,7 +3919,7 @@
           <p:cNvPr id="2" name="Title 1">
             <a:extLst>
               <a:ext uri="{FF2B5EF4-FFF2-40B4-BE49-F238E27FC236}">
-                <a16:creationId xmlns:a16="http://schemas.microsoft.com/office/drawing/2014/main" id="{8E64C5D8-1724-43E8-A020-EF218EE4BD67}"/>
+                <a16:creationId xmlns:a16="http://schemas.microsoft.com/office/drawing/2014/main" id="{D199AA1E-0E65-4733-A819-36AAD07D613B}"/>
               </a:ext>
             </a:extLst>
           </p:cNvPr>
@@ -3956,7 +3937,7 @@
           <a:p>
             <a:r>
               <a:rPr lang="en-US" dirty="0"/>
-              <a:t>Correlation Plot…</a:t>
+              <a:t>Distribution of Features…</a:t>
             </a:r>
             <a:endParaRPr lang="en-GB" dirty="0"/>
           </a:p>
@@ -3967,7 +3948,7 @@
           <p:cNvPr id="5" name="Content Placeholder 4">
             <a:extLst>
               <a:ext uri="{FF2B5EF4-FFF2-40B4-BE49-F238E27FC236}">
-                <a16:creationId xmlns:a16="http://schemas.microsoft.com/office/drawing/2014/main" id="{3934313F-CAEC-4627-9B16-B208A812EAE2}"/>
+                <a16:creationId xmlns:a16="http://schemas.microsoft.com/office/drawing/2014/main" id="{8A4DA5E9-19C5-4753-8D56-1965F7E427AA}"/>
               </a:ext>
             </a:extLst>
           </p:cNvPr>
@@ -3979,93 +3960,52 @@
           </p:nvPr>
         </p:nvPicPr>
         <p:blipFill>
-          <a:blip r:embed="rId2">
-            <a:extLst>
-              <a:ext uri="{28A0092B-C50C-407E-A947-70E740481C1C}">
-                <a14:useLocalDpi xmlns:a14="http://schemas.microsoft.com/office/drawing/2010/main" val="0"/>
-              </a:ext>
-            </a:extLst>
-          </a:blip>
+          <a:blip r:embed="rId2"/>
           <a:stretch>
             <a:fillRect/>
           </a:stretch>
         </p:blipFill>
         <p:spPr>
           <a:xfrm>
-            <a:off x="838200" y="1535045"/>
-            <a:ext cx="7579610" cy="4802187"/>
+            <a:off x="838200" y="1874263"/>
+            <a:ext cx="3808404" cy="4351338"/>
           </a:xfrm>
         </p:spPr>
       </p:pic>
-      <p:sp>
-        <p:nvSpPr>
-          <p:cNvPr id="6" name="TextBox 5">
-            <a:extLst>
-              <a:ext uri="{FF2B5EF4-FFF2-40B4-BE49-F238E27FC236}">
-                <a16:creationId xmlns:a16="http://schemas.microsoft.com/office/drawing/2014/main" id="{818E0F79-BEB5-459E-BB7F-DB365667E8B1}"/>
-              </a:ext>
-            </a:extLst>
-          </p:cNvPr>
-          <p:cNvSpPr txBox="1"/>
+      <p:pic>
+        <p:nvPicPr>
+          <p:cNvPr id="7" name="Picture 6">
+            <a:extLst>
+              <a:ext uri="{FF2B5EF4-FFF2-40B4-BE49-F238E27FC236}">
+                <a16:creationId xmlns:a16="http://schemas.microsoft.com/office/drawing/2014/main" id="{4A53636D-216E-45E1-8F4B-833591D40A85}"/>
+              </a:ext>
+            </a:extLst>
+          </p:cNvPr>
+          <p:cNvPicPr>
+            <a:picLocks noChangeAspect="1"/>
+          </p:cNvPicPr>
           <p:nvPr/>
-        </p:nvSpPr>
+        </p:nvPicPr>
+        <p:blipFill>
+          <a:blip r:embed="rId3"/>
+          <a:stretch>
+            <a:fillRect/>
+          </a:stretch>
+        </p:blipFill>
         <p:spPr>
           <a:xfrm>
-            <a:off x="8628434" y="1690687"/>
-            <a:ext cx="3035030" cy="3785652"/>
+            <a:off x="6867525" y="1510219"/>
+            <a:ext cx="4486275" cy="5257800"/>
           </a:xfrm>
           <a:prstGeom prst="rect">
             <a:avLst/>
           </a:prstGeom>
-          <a:noFill/>
-        </p:spPr>
-        <p:txBody>
-          <a:bodyPr wrap="square" rtlCol="0">
-            <a:spAutoFit/>
-          </a:bodyPr>
-          <a:lstStyle/>
-          <a:p>
-            <a:r>
-              <a:rPr lang="en-US" sz="2000" dirty="0"/>
-              <a:t>pv1_PropFinTech, </a:t>
-            </a:r>
-          </a:p>
-          <a:p>
-            <a:r>
-              <a:rPr lang="en-US" sz="2000" dirty="0"/>
-              <a:t>pv1_Property Management,</a:t>
-            </a:r>
-          </a:p>
-          <a:p>
-            <a:r>
-              <a:rPr lang="en-US" sz="2000" dirty="0"/>
-              <a:t>pv1_ConTech</a:t>
-            </a:r>
-          </a:p>
-          <a:p>
-            <a:endParaRPr lang="en-GB" sz="2000" dirty="0"/>
-          </a:p>
-          <a:p>
-            <a:r>
-              <a:rPr lang="en-GB" sz="2000" dirty="0"/>
-              <a:t>Are correlated to each other</a:t>
-            </a:r>
-          </a:p>
-          <a:p>
-            <a:endParaRPr lang="en-GB" sz="2000" dirty="0"/>
-          </a:p>
-          <a:p>
-            <a:r>
-              <a:rPr lang="en-GB" sz="2000" dirty="0"/>
-              <a:t>They are also equally weighed in PCA transformation in First Dimension</a:t>
-            </a:r>
-          </a:p>
-        </p:txBody>
-      </p:sp>
+        </p:spPr>
+      </p:pic>
     </p:spTree>
     <p:extLst>
       <p:ext uri="{BB962C8B-B14F-4D97-AF65-F5344CB8AC3E}">
-        <p14:creationId xmlns:p14="http://schemas.microsoft.com/office/powerpoint/2010/main" val="1809869691"/>
+        <p14:creationId xmlns:p14="http://schemas.microsoft.com/office/powerpoint/2010/main" val="2483551780"/>
       </p:ext>
     </p:extLst>
   </p:cSld>
@@ -4097,7 +4037,7 @@
           <p:cNvPr id="2" name="Title 1">
             <a:extLst>
               <a:ext uri="{FF2B5EF4-FFF2-40B4-BE49-F238E27FC236}">
-                <a16:creationId xmlns:a16="http://schemas.microsoft.com/office/drawing/2014/main" id="{71664168-8F01-4947-979F-E756A0A3E3DD}"/>
+                <a16:creationId xmlns:a16="http://schemas.microsoft.com/office/drawing/2014/main" id="{26319D37-4A04-4E0A-B8E3-1B655FAB1FA7}"/>
               </a:ext>
             </a:extLst>
           </p:cNvPr>
@@ -4115,7 +4055,41 @@
           <a:p>
             <a:r>
               <a:rPr lang="en-US" dirty="0"/>
-              <a:t>Correlation Plot…</a:t>
+              <a:t>Correlation Plot</a:t>
+            </a:r>
+            <a:endParaRPr lang="en-GB" dirty="0"/>
+          </a:p>
+        </p:txBody>
+      </p:sp>
+      <p:sp>
+        <p:nvSpPr>
+          <p:cNvPr id="3" name="Content Placeholder 2">
+            <a:extLst>
+              <a:ext uri="{FF2B5EF4-FFF2-40B4-BE49-F238E27FC236}">
+                <a16:creationId xmlns:a16="http://schemas.microsoft.com/office/drawing/2014/main" id="{0EE3156C-78A5-40A8-ADDC-E0B2D90D9A0A}"/>
+              </a:ext>
+            </a:extLst>
+          </p:cNvPr>
+          <p:cNvSpPr>
+            <a:spLocks noGrp="1"/>
+          </p:cNvSpPr>
+          <p:nvPr>
+            <p:ph idx="1"/>
+          </p:nvPr>
+        </p:nvSpPr>
+        <p:spPr>
+          <a:xfrm>
+            <a:off x="838200" y="1575881"/>
+            <a:ext cx="10515600" cy="4601082"/>
+          </a:xfrm>
+        </p:spPr>
+        <p:txBody>
+          <a:bodyPr/>
+          <a:lstStyle/>
+          <a:p>
+            <a:r>
+              <a:rPr lang="en-US" dirty="0"/>
+              <a:t>February, March and December are having equally weighed PCA Component Bars in bar plot, their correlation are also relatively higher</a:t>
             </a:r>
             <a:endParaRPr lang="en-GB" dirty="0"/>
           </a:p>
@@ -4123,19 +4097,17 @@
       </p:sp>
       <p:pic>
         <p:nvPicPr>
-          <p:cNvPr id="5" name="Content Placeholder 4">
-            <a:extLst>
-              <a:ext uri="{FF2B5EF4-FFF2-40B4-BE49-F238E27FC236}">
-                <a16:creationId xmlns:a16="http://schemas.microsoft.com/office/drawing/2014/main" id="{A87A4173-E4E8-413B-BDDD-FDFEB4597B9E}"/>
+          <p:cNvPr id="5" name="Picture 4">
+            <a:extLst>
+              <a:ext uri="{FF2B5EF4-FFF2-40B4-BE49-F238E27FC236}">
+                <a16:creationId xmlns:a16="http://schemas.microsoft.com/office/drawing/2014/main" id="{29DAC285-3039-4E15-9F78-6C66CB0B3B68}"/>
               </a:ext>
             </a:extLst>
           </p:cNvPr>
           <p:cNvPicPr>
-            <a:picLocks noGrp="1" noChangeAspect="1"/>
+            <a:picLocks noChangeAspect="1"/>
           </p:cNvPicPr>
-          <p:nvPr>
-            <p:ph idx="1"/>
-          </p:nvPr>
+          <p:nvPr/>
         </p:nvPicPr>
         <p:blipFill>
           <a:blip r:embed="rId2">
@@ -4151,60 +4123,54 @@
         </p:blipFill>
         <p:spPr>
           <a:xfrm>
-            <a:off x="838200" y="1562977"/>
-            <a:ext cx="7389404" cy="4929897"/>
-          </a:xfrm>
-        </p:spPr>
-      </p:pic>
-      <p:sp>
-        <p:nvSpPr>
-          <p:cNvPr id="6" name="TextBox 5">
-            <a:extLst>
-              <a:ext uri="{FF2B5EF4-FFF2-40B4-BE49-F238E27FC236}">
-                <a16:creationId xmlns:a16="http://schemas.microsoft.com/office/drawing/2014/main" id="{FC8F184C-C310-44A0-A45B-A9359CEE2446}"/>
-              </a:ext>
-            </a:extLst>
-          </p:cNvPr>
-          <p:cNvSpPr txBox="1"/>
-          <p:nvPr/>
-        </p:nvSpPr>
-        <p:spPr>
-          <a:xfrm>
-            <a:off x="8560340" y="1562977"/>
-            <a:ext cx="2793460" cy="4154984"/>
+            <a:off x="6393692" y="2645872"/>
+            <a:ext cx="5662121" cy="3871609"/>
           </a:xfrm>
           <a:prstGeom prst="rect">
             <a:avLst/>
           </a:prstGeom>
-          <a:noFill/>
-        </p:spPr>
-        <p:txBody>
-          <a:bodyPr wrap="square" rtlCol="0">
-            <a:spAutoFit/>
-          </a:bodyPr>
-          <a:lstStyle/>
-          <a:p>
-            <a:r>
-              <a:rPr lang="en-US" sz="2400" dirty="0"/>
-              <a:t>Marketplace vs B2B vs SaaS are highly correlated</a:t>
-            </a:r>
-          </a:p>
-          <a:p>
-            <a:endParaRPr lang="en-US" sz="2400" dirty="0"/>
-          </a:p>
-          <a:p>
-            <a:r>
-              <a:rPr lang="en-US" sz="2400" dirty="0"/>
-              <a:t>In PCA, B2B has a higher value in dimensions 1 and 2 indicating they behave differently and is possibly a clustering concern.</a:t>
-            </a:r>
-            <a:endParaRPr lang="en-GB" sz="2400" dirty="0"/>
-          </a:p>
-        </p:txBody>
-      </p:sp>
+        </p:spPr>
+      </p:pic>
+      <p:pic>
+        <p:nvPicPr>
+          <p:cNvPr id="7" name="Picture 6">
+            <a:extLst>
+              <a:ext uri="{FF2B5EF4-FFF2-40B4-BE49-F238E27FC236}">
+                <a16:creationId xmlns:a16="http://schemas.microsoft.com/office/drawing/2014/main" id="{0F6B14EF-FBB5-46AE-849B-6069B8B06C1A}"/>
+              </a:ext>
+            </a:extLst>
+          </p:cNvPr>
+          <p:cNvPicPr>
+            <a:picLocks noChangeAspect="1"/>
+          </p:cNvPicPr>
+          <p:nvPr/>
+        </p:nvPicPr>
+        <p:blipFill>
+          <a:blip r:embed="rId3">
+            <a:extLst>
+              <a:ext uri="{28A0092B-C50C-407E-A947-70E740481C1C}">
+                <a14:useLocalDpi xmlns:a14="http://schemas.microsoft.com/office/drawing/2010/main" val="0"/>
+              </a:ext>
+            </a:extLst>
+          </a:blip>
+          <a:stretch>
+            <a:fillRect/>
+          </a:stretch>
+        </p:blipFill>
+        <p:spPr>
+          <a:xfrm>
+            <a:off x="296394" y="2645871"/>
+            <a:ext cx="5662122" cy="3871610"/>
+          </a:xfrm>
+          <a:prstGeom prst="rect">
+            <a:avLst/>
+          </a:prstGeom>
+        </p:spPr>
+      </p:pic>
     </p:spTree>
     <p:extLst>
       <p:ext uri="{BB962C8B-B14F-4D97-AF65-F5344CB8AC3E}">
-        <p14:creationId xmlns:p14="http://schemas.microsoft.com/office/powerpoint/2010/main" val="273833404"/>
+        <p14:creationId xmlns:p14="http://schemas.microsoft.com/office/powerpoint/2010/main" val="2143012300"/>
       </p:ext>
     </p:extLst>
   </p:cSld>
@@ -4236,7 +4202,7 @@
           <p:cNvPr id="2" name="Title 1">
             <a:extLst>
               <a:ext uri="{FF2B5EF4-FFF2-40B4-BE49-F238E27FC236}">
-                <a16:creationId xmlns:a16="http://schemas.microsoft.com/office/drawing/2014/main" id="{D5C8E713-1DF0-4358-A505-F8F33E6072E0}"/>
+                <a16:creationId xmlns:a16="http://schemas.microsoft.com/office/drawing/2014/main" id="{8E64C5D8-1724-43E8-A020-EF218EE4BD67}"/>
               </a:ext>
             </a:extLst>
           </p:cNvPr>
@@ -4254,7 +4220,7 @@
           <a:p>
             <a:r>
               <a:rPr lang="en-US" dirty="0"/>
-              <a:t>Lag Plot</a:t>
+              <a:t>Correlation Plot…</a:t>
             </a:r>
             <a:endParaRPr lang="en-GB" dirty="0"/>
           </a:p>
@@ -4265,7 +4231,7 @@
           <p:cNvPr id="5" name="Content Placeholder 4">
             <a:extLst>
               <a:ext uri="{FF2B5EF4-FFF2-40B4-BE49-F238E27FC236}">
-                <a16:creationId xmlns:a16="http://schemas.microsoft.com/office/drawing/2014/main" id="{223788D7-2AA8-407F-B859-4469BA459689}"/>
+                <a16:creationId xmlns:a16="http://schemas.microsoft.com/office/drawing/2014/main" id="{3934313F-CAEC-4627-9B16-B208A812EAE2}"/>
               </a:ext>
             </a:extLst>
           </p:cNvPr>
@@ -4277,84 +4243,30 @@
           </p:nvPr>
         </p:nvPicPr>
         <p:blipFill>
-          <a:blip r:embed="rId2"/>
+          <a:blip r:embed="rId2">
+            <a:extLst>
+              <a:ext uri="{28A0092B-C50C-407E-A947-70E740481C1C}">
+                <a14:useLocalDpi xmlns:a14="http://schemas.microsoft.com/office/drawing/2010/main" val="0"/>
+              </a:ext>
+            </a:extLst>
+          </a:blip>
           <a:stretch>
             <a:fillRect/>
           </a:stretch>
         </p:blipFill>
         <p:spPr>
           <a:xfrm>
-            <a:off x="702013" y="1484199"/>
-            <a:ext cx="4208998" cy="3018749"/>
+            <a:off x="838200" y="1535045"/>
+            <a:ext cx="7579610" cy="4802187"/>
           </a:xfrm>
         </p:spPr>
       </p:pic>
-      <p:pic>
-        <p:nvPicPr>
-          <p:cNvPr id="7" name="Picture 6">
-            <a:extLst>
-              <a:ext uri="{FF2B5EF4-FFF2-40B4-BE49-F238E27FC236}">
-                <a16:creationId xmlns:a16="http://schemas.microsoft.com/office/drawing/2014/main" id="{C513CAD7-365B-444E-A7DE-D552ED9BCD14}"/>
-              </a:ext>
-            </a:extLst>
-          </p:cNvPr>
-          <p:cNvPicPr>
-            <a:picLocks noChangeAspect="1"/>
-          </p:cNvPicPr>
-          <p:nvPr/>
-        </p:nvPicPr>
-        <p:blipFill>
-          <a:blip r:embed="rId3"/>
-          <a:stretch>
-            <a:fillRect/>
-          </a:stretch>
-        </p:blipFill>
-        <p:spPr>
-          <a:xfrm>
-            <a:off x="7280991" y="118063"/>
-            <a:ext cx="4555787" cy="3249754"/>
-          </a:xfrm>
-          <a:prstGeom prst="rect">
-            <a:avLst/>
-          </a:prstGeom>
-        </p:spPr>
-      </p:pic>
-      <p:pic>
-        <p:nvPicPr>
-          <p:cNvPr id="9" name="Picture 8">
-            <a:extLst>
-              <a:ext uri="{FF2B5EF4-FFF2-40B4-BE49-F238E27FC236}">
-                <a16:creationId xmlns:a16="http://schemas.microsoft.com/office/drawing/2014/main" id="{5643C70E-9394-4227-B261-B4A9F8D28F0F}"/>
-              </a:ext>
-            </a:extLst>
-          </p:cNvPr>
-          <p:cNvPicPr>
-            <a:picLocks noChangeAspect="1"/>
-          </p:cNvPicPr>
-          <p:nvPr/>
-        </p:nvPicPr>
-        <p:blipFill>
-          <a:blip r:embed="rId4"/>
-          <a:stretch>
-            <a:fillRect/>
-          </a:stretch>
-        </p:blipFill>
-        <p:spPr>
-          <a:xfrm>
-            <a:off x="7420155" y="3499301"/>
-            <a:ext cx="4208997" cy="3043070"/>
-          </a:xfrm>
-          <a:prstGeom prst="rect">
-            <a:avLst/>
-          </a:prstGeom>
-        </p:spPr>
-      </p:pic>
-      <p:sp>
-        <p:nvSpPr>
-          <p:cNvPr id="10" name="TextBox 9">
-            <a:extLst>
-              <a:ext uri="{FF2B5EF4-FFF2-40B4-BE49-F238E27FC236}">
-                <a16:creationId xmlns:a16="http://schemas.microsoft.com/office/drawing/2014/main" id="{65014C20-242E-4145-BAB0-1713AE85E4E1}"/>
+      <p:sp>
+        <p:nvSpPr>
+          <p:cNvPr id="6" name="TextBox 5">
+            <a:extLst>
+              <a:ext uri="{FF2B5EF4-FFF2-40B4-BE49-F238E27FC236}">
+                <a16:creationId xmlns:a16="http://schemas.microsoft.com/office/drawing/2014/main" id="{818E0F79-BEB5-459E-BB7F-DB365667E8B1}"/>
               </a:ext>
             </a:extLst>
           </p:cNvPr>
@@ -4363,8 +4275,8 @@
         </p:nvSpPr>
         <p:spPr>
           <a:xfrm>
-            <a:off x="2130439" y="4620637"/>
-            <a:ext cx="1352145" cy="369332"/>
+            <a:off x="8628434" y="1690687"/>
+            <a:ext cx="3035030" cy="3785652"/>
           </a:xfrm>
           <a:prstGeom prst="rect">
             <a:avLst/>
@@ -4378,89 +4290,46 @@
           <a:lstStyle/>
           <a:p>
             <a:r>
-              <a:rPr lang="en-US" dirty="0"/>
-              <a:t>B2B trends</a:t>
-            </a:r>
-            <a:endParaRPr lang="en-GB" dirty="0"/>
-          </a:p>
-        </p:txBody>
-      </p:sp>
-      <p:sp>
-        <p:nvSpPr>
-          <p:cNvPr id="11" name="TextBox 10">
-            <a:extLst>
-              <a:ext uri="{FF2B5EF4-FFF2-40B4-BE49-F238E27FC236}">
-                <a16:creationId xmlns:a16="http://schemas.microsoft.com/office/drawing/2014/main" id="{B8C4EB9A-FF63-40D9-9055-C345EE760B7F}"/>
-              </a:ext>
-            </a:extLst>
-          </p:cNvPr>
-          <p:cNvSpPr txBox="1"/>
-          <p:nvPr/>
-        </p:nvSpPr>
-        <p:spPr>
-          <a:xfrm>
-            <a:off x="6718570" y="4027410"/>
-            <a:ext cx="461665" cy="1555787"/>
-          </a:xfrm>
-          <a:prstGeom prst="rect">
-            <a:avLst/>
-          </a:prstGeom>
-          <a:noFill/>
-        </p:spPr>
-        <p:txBody>
-          <a:bodyPr vert="vert270" wrap="square" rtlCol="0">
-            <a:spAutoFit/>
-          </a:bodyPr>
-          <a:lstStyle/>
-          <a:p>
-            <a:r>
-              <a:rPr lang="en-US" dirty="0"/>
-              <a:t>B2C trends</a:t>
-            </a:r>
-            <a:endParaRPr lang="en-GB" dirty="0"/>
-          </a:p>
-        </p:txBody>
-      </p:sp>
-      <p:sp>
-        <p:nvSpPr>
-          <p:cNvPr id="12" name="TextBox 11">
-            <a:extLst>
-              <a:ext uri="{FF2B5EF4-FFF2-40B4-BE49-F238E27FC236}">
-                <a16:creationId xmlns:a16="http://schemas.microsoft.com/office/drawing/2014/main" id="{DE8E2F51-745D-4D40-A117-36DA50F5B54F}"/>
-              </a:ext>
-            </a:extLst>
-          </p:cNvPr>
-          <p:cNvSpPr txBox="1"/>
-          <p:nvPr/>
-        </p:nvSpPr>
-        <p:spPr>
-          <a:xfrm>
-            <a:off x="6751232" y="706305"/>
-            <a:ext cx="461665" cy="1555787"/>
-          </a:xfrm>
-          <a:prstGeom prst="rect">
-            <a:avLst/>
-          </a:prstGeom>
-          <a:noFill/>
-        </p:spPr>
-        <p:txBody>
-          <a:bodyPr vert="vert270" wrap="square" rtlCol="0">
-            <a:spAutoFit/>
-          </a:bodyPr>
-          <a:lstStyle/>
-          <a:p>
-            <a:r>
-              <a:rPr lang="en-US" dirty="0"/>
-              <a:t>B2B2C trends</a:t>
-            </a:r>
-            <a:endParaRPr lang="en-GB" dirty="0"/>
+              <a:rPr lang="en-US" sz="2000" dirty="0"/>
+              <a:t>pv1_PropFinTech, </a:t>
+            </a:r>
+          </a:p>
+          <a:p>
+            <a:r>
+              <a:rPr lang="en-US" sz="2000" dirty="0"/>
+              <a:t>pv1_Property Management,</a:t>
+            </a:r>
+          </a:p>
+          <a:p>
+            <a:r>
+              <a:rPr lang="en-US" sz="2000" dirty="0"/>
+              <a:t>pv1_ConTech</a:t>
+            </a:r>
+          </a:p>
+          <a:p>
+            <a:endParaRPr lang="en-GB" sz="2000" dirty="0"/>
+          </a:p>
+          <a:p>
+            <a:r>
+              <a:rPr lang="en-GB" sz="2000" dirty="0"/>
+              <a:t>Are correlated to each other</a:t>
+            </a:r>
+          </a:p>
+          <a:p>
+            <a:endParaRPr lang="en-GB" sz="2000" dirty="0"/>
+          </a:p>
+          <a:p>
+            <a:r>
+              <a:rPr lang="en-GB" sz="2000" dirty="0"/>
+              <a:t>They are also equally weighed in PCA transformation in First Dimension</a:t>
+            </a:r>
           </a:p>
         </p:txBody>
       </p:sp>
     </p:spTree>
     <p:extLst>
       <p:ext uri="{BB962C8B-B14F-4D97-AF65-F5344CB8AC3E}">
-        <p14:creationId xmlns:p14="http://schemas.microsoft.com/office/powerpoint/2010/main" val="3482147582"/>
+        <p14:creationId xmlns:p14="http://schemas.microsoft.com/office/powerpoint/2010/main" val="1809869691"/>
       </p:ext>
     </p:extLst>
   </p:cSld>
@@ -4492,7 +4361,7 @@
           <p:cNvPr id="2" name="Title 1">
             <a:extLst>
               <a:ext uri="{FF2B5EF4-FFF2-40B4-BE49-F238E27FC236}">
-                <a16:creationId xmlns:a16="http://schemas.microsoft.com/office/drawing/2014/main" id="{47D1617A-D0C6-482E-8C41-694D6EC7BF7A}"/>
+                <a16:creationId xmlns:a16="http://schemas.microsoft.com/office/drawing/2014/main" id="{71664168-8F01-4947-979F-E756A0A3E3DD}"/>
               </a:ext>
             </a:extLst>
           </p:cNvPr>
@@ -4510,65 +4379,27 @@
           <a:p>
             <a:r>
               <a:rPr lang="en-US" dirty="0"/>
-              <a:t>Nature of Data</a:t>
+              <a:t>Correlation Plot…</a:t>
             </a:r>
             <a:endParaRPr lang="en-GB" dirty="0"/>
-          </a:p>
-        </p:txBody>
-      </p:sp>
-      <p:sp>
-        <p:nvSpPr>
-          <p:cNvPr id="3" name="Content Placeholder 2">
-            <a:extLst>
-              <a:ext uri="{FF2B5EF4-FFF2-40B4-BE49-F238E27FC236}">
-                <a16:creationId xmlns:a16="http://schemas.microsoft.com/office/drawing/2014/main" id="{EE7428AB-C4B6-4CCB-959F-915C01DF17C8}"/>
-              </a:ext>
-            </a:extLst>
-          </p:cNvPr>
-          <p:cNvSpPr>
-            <a:spLocks noGrp="1"/>
-          </p:cNvSpPr>
-          <p:nvPr>
-            <p:ph idx="1"/>
-          </p:nvPr>
-        </p:nvSpPr>
-        <p:spPr/>
-        <p:txBody>
-          <a:bodyPr/>
-          <a:lstStyle/>
-          <a:p>
-            <a:r>
-              <a:rPr lang="en-US" dirty="0"/>
-              <a:t>The data is a time-series data which is known from the lag plot</a:t>
-            </a:r>
-          </a:p>
-          <a:p>
-            <a:pPr marL="0" indent="0">
-              <a:buNone/>
-            </a:pPr>
-            <a:endParaRPr lang="en-GB" dirty="0"/>
-          </a:p>
-          <a:p>
-            <a:pPr marL="0" indent="0">
-              <a:buNone/>
-            </a:pPr>
-            <a:endParaRPr lang="en-US" dirty="0"/>
           </a:p>
         </p:txBody>
       </p:sp>
       <p:pic>
         <p:nvPicPr>
-          <p:cNvPr id="5" name="Picture 4">
-            <a:extLst>
-              <a:ext uri="{FF2B5EF4-FFF2-40B4-BE49-F238E27FC236}">
-                <a16:creationId xmlns:a16="http://schemas.microsoft.com/office/drawing/2014/main" id="{136092CF-F7AD-44C5-9E56-78FAFB5BEFA7}"/>
+          <p:cNvPr id="5" name="Content Placeholder 4">
+            <a:extLst>
+              <a:ext uri="{FF2B5EF4-FFF2-40B4-BE49-F238E27FC236}">
+                <a16:creationId xmlns:a16="http://schemas.microsoft.com/office/drawing/2014/main" id="{A87A4173-E4E8-413B-BDDD-FDFEB4597B9E}"/>
               </a:ext>
             </a:extLst>
           </p:cNvPr>
           <p:cNvPicPr>
-            <a:picLocks noChangeAspect="1"/>
+            <a:picLocks noGrp="1" noChangeAspect="1"/>
           </p:cNvPicPr>
-          <p:nvPr/>
+          <p:nvPr>
+            <p:ph idx="1"/>
+          </p:nvPr>
         </p:nvPicPr>
         <p:blipFill>
           <a:blip r:embed="rId2">
@@ -4584,12 +4415,9 @@
         </p:blipFill>
         <p:spPr>
           <a:xfrm>
-            <a:off x="838200" y="2740001"/>
-            <a:ext cx="5652766" cy="3752874"/>
-          </a:xfrm>
-          <a:prstGeom prst="rect">
-            <a:avLst/>
-          </a:prstGeom>
+            <a:off x="838200" y="1562977"/>
+            <a:ext cx="7389404" cy="4929897"/>
+          </a:xfrm>
         </p:spPr>
       </p:pic>
       <p:sp>
@@ -4597,7 +4425,7 @@
           <p:cNvPr id="6" name="TextBox 5">
             <a:extLst>
               <a:ext uri="{FF2B5EF4-FFF2-40B4-BE49-F238E27FC236}">
-                <a16:creationId xmlns:a16="http://schemas.microsoft.com/office/drawing/2014/main" id="{41B6F97C-6A61-4DBC-929F-69116D5BB3B8}"/>
+                <a16:creationId xmlns:a16="http://schemas.microsoft.com/office/drawing/2014/main" id="{FC8F184C-C310-44A0-A45B-A9359CEE2446}"/>
               </a:ext>
             </a:extLst>
           </p:cNvPr>
@@ -4606,8 +4434,8 @@
         </p:nvSpPr>
         <p:spPr>
           <a:xfrm>
-            <a:off x="6692631" y="2740001"/>
-            <a:ext cx="4661170" cy="2677656"/>
+            <a:off x="8560340" y="1562977"/>
+            <a:ext cx="2793460" cy="4154984"/>
           </a:xfrm>
           <a:prstGeom prst="rect">
             <a:avLst/>
@@ -4620,34 +4448,27 @@
           </a:bodyPr>
           <a:lstStyle/>
           <a:p>
-            <a:pPr marL="285750" indent="-285750">
-              <a:buFont typeface="Arial" panose="020B0604020202020204" pitchFamily="34" charset="0"/>
-              <a:buChar char="•"/>
-            </a:pPr>
             <a:r>
               <a:rPr lang="en-US" sz="2400" dirty="0"/>
-              <a:t>A Cumulative Sum is taken to project the data from Sl. No. 1 to Sl. No. 373</a:t>
+              <a:t>Marketplace vs B2B vs SaaS are highly correlated</a:t>
             </a:r>
           </a:p>
           <a:p>
             <a:endParaRPr lang="en-US" sz="2400" dirty="0"/>
           </a:p>
           <a:p>
-            <a:pPr marL="285750" indent="-285750">
-              <a:buFont typeface="Arial" panose="020B0604020202020204" pitchFamily="34" charset="0"/>
-              <a:buChar char="•"/>
-            </a:pPr>
-            <a:r>
-              <a:rPr lang="en-GB" sz="2400" dirty="0"/>
-              <a:t>Here, re1_Commercial is a frequently occurring value within RE</a:t>
-            </a:r>
+            <a:r>
+              <a:rPr lang="en-US" sz="2400" dirty="0"/>
+              <a:t>In PCA, B2B has a higher value in dimensions 1 and 2 indicating they behave differently and is possibly a clustering concern.</a:t>
+            </a:r>
+            <a:endParaRPr lang="en-GB" sz="2400" dirty="0"/>
           </a:p>
         </p:txBody>
       </p:sp>
     </p:spTree>
     <p:extLst>
       <p:ext uri="{BB962C8B-B14F-4D97-AF65-F5344CB8AC3E}">
-        <p14:creationId xmlns:p14="http://schemas.microsoft.com/office/powerpoint/2010/main" val="3625959777"/>
+        <p14:creationId xmlns:p14="http://schemas.microsoft.com/office/powerpoint/2010/main" val="273833404"/>
       </p:ext>
     </p:extLst>
   </p:cSld>
@@ -4679,7 +4500,7 @@
           <p:cNvPr id="2" name="Title 1">
             <a:extLst>
               <a:ext uri="{FF2B5EF4-FFF2-40B4-BE49-F238E27FC236}">
-                <a16:creationId xmlns:a16="http://schemas.microsoft.com/office/drawing/2014/main" id="{6B8D0259-60B0-4C19-ADB0-F8ED762B0204}"/>
+                <a16:creationId xmlns:a16="http://schemas.microsoft.com/office/drawing/2014/main" id="{D5C8E713-1DF0-4358-A505-F8F33E6072E0}"/>
               </a:ext>
             </a:extLst>
           </p:cNvPr>
@@ -4697,91 +4518,27 @@
           <a:p>
             <a:r>
               <a:rPr lang="en-US" dirty="0"/>
-              <a:t>Time-series Data – Feasibility Check</a:t>
+              <a:t>Lag Plot</a:t>
             </a:r>
             <a:endParaRPr lang="en-GB" dirty="0"/>
-          </a:p>
-        </p:txBody>
-      </p:sp>
-      <p:sp>
-        <p:nvSpPr>
-          <p:cNvPr id="3" name="Content Placeholder 2">
-            <a:extLst>
-              <a:ext uri="{FF2B5EF4-FFF2-40B4-BE49-F238E27FC236}">
-                <a16:creationId xmlns:a16="http://schemas.microsoft.com/office/drawing/2014/main" id="{141073EE-7BC7-425B-870B-E86BBD7A08EC}"/>
-              </a:ext>
-            </a:extLst>
-          </p:cNvPr>
-          <p:cNvSpPr>
-            <a:spLocks noGrp="1"/>
-          </p:cNvSpPr>
-          <p:nvPr>
-            <p:ph idx="1"/>
-          </p:nvPr>
-        </p:nvSpPr>
-        <p:spPr>
-          <a:xfrm>
-            <a:off x="838200" y="3326859"/>
-            <a:ext cx="10515600" cy="2850103"/>
-          </a:xfrm>
-        </p:spPr>
-        <p:txBody>
-          <a:bodyPr/>
-          <a:lstStyle/>
-          <a:p>
-            <a:r>
-              <a:rPr lang="en-US" dirty="0"/>
-              <a:t>Options for Prediction of Stage Attribute:</a:t>
-            </a:r>
-          </a:p>
-          <a:p>
-            <a:pPr lvl="1"/>
-            <a:r>
-              <a:rPr lang="en-US" dirty="0"/>
-              <a:t>Prediction by Auto Correlation (ARIMA) but ARIMA requires continuous data which misses key class, hence infeasible because data is not enough</a:t>
-            </a:r>
-          </a:p>
-          <a:p>
-            <a:pPr lvl="2"/>
-            <a:r>
-              <a:rPr lang="en-US" dirty="0"/>
-              <a:t>Only 10 classes are available when the dataset is split sequentially by </a:t>
-            </a:r>
-            <a:r>
-              <a:rPr lang="en-US" dirty="0" err="1"/>
-              <a:t>train_size</a:t>
-            </a:r>
-            <a:endParaRPr lang="en-US" dirty="0"/>
-          </a:p>
-          <a:p>
-            <a:pPr lvl="1"/>
-            <a:r>
-              <a:rPr lang="en-US" dirty="0"/>
-              <a:t>Prediction by Multi-Layer Perceptrons because they consider hyperplane splitting</a:t>
-            </a:r>
-          </a:p>
-          <a:p>
-            <a:pPr lvl="1"/>
-            <a:r>
-              <a:rPr lang="en-GB" dirty="0"/>
-              <a:t>Prediction by Support Vector Machines, by Kernel Trick</a:t>
-            </a:r>
           </a:p>
         </p:txBody>
       </p:sp>
       <p:pic>
         <p:nvPicPr>
-          <p:cNvPr id="5" name="Picture 4">
-            <a:extLst>
-              <a:ext uri="{FF2B5EF4-FFF2-40B4-BE49-F238E27FC236}">
-                <a16:creationId xmlns:a16="http://schemas.microsoft.com/office/drawing/2014/main" id="{6F18329C-68A3-477D-A607-5DC08C8BD9D6}"/>
+          <p:cNvPr id="5" name="Content Placeholder 4">
+            <a:extLst>
+              <a:ext uri="{FF2B5EF4-FFF2-40B4-BE49-F238E27FC236}">
+                <a16:creationId xmlns:a16="http://schemas.microsoft.com/office/drawing/2014/main" id="{223788D7-2AA8-407F-B859-4469BA459689}"/>
               </a:ext>
             </a:extLst>
           </p:cNvPr>
           <p:cNvPicPr>
-            <a:picLocks noChangeAspect="1"/>
+            <a:picLocks noGrp="1" noChangeAspect="1"/>
           </p:cNvPicPr>
-          <p:nvPr/>
+          <p:nvPr>
+            <p:ph idx="1"/>
+          </p:nvPr>
         </p:nvPicPr>
         <p:blipFill>
           <a:blip r:embed="rId2"/>
@@ -4791,18 +4548,183 @@
         </p:blipFill>
         <p:spPr>
           <a:xfrm>
-            <a:off x="1809750" y="1690688"/>
-            <a:ext cx="8572500" cy="1362075"/>
+            <a:off x="702013" y="1484199"/>
+            <a:ext cx="4208998" cy="3018749"/>
+          </a:xfrm>
+        </p:spPr>
+      </p:pic>
+      <p:pic>
+        <p:nvPicPr>
+          <p:cNvPr id="7" name="Picture 6">
+            <a:extLst>
+              <a:ext uri="{FF2B5EF4-FFF2-40B4-BE49-F238E27FC236}">
+                <a16:creationId xmlns:a16="http://schemas.microsoft.com/office/drawing/2014/main" id="{C513CAD7-365B-444E-A7DE-D552ED9BCD14}"/>
+              </a:ext>
+            </a:extLst>
+          </p:cNvPr>
+          <p:cNvPicPr>
+            <a:picLocks noChangeAspect="1"/>
+          </p:cNvPicPr>
+          <p:nvPr/>
+        </p:nvPicPr>
+        <p:blipFill>
+          <a:blip r:embed="rId3"/>
+          <a:stretch>
+            <a:fillRect/>
+          </a:stretch>
+        </p:blipFill>
+        <p:spPr>
+          <a:xfrm>
+            <a:off x="7280991" y="118063"/>
+            <a:ext cx="4555787" cy="3249754"/>
           </a:xfrm>
           <a:prstGeom prst="rect">
             <a:avLst/>
           </a:prstGeom>
         </p:spPr>
       </p:pic>
+      <p:pic>
+        <p:nvPicPr>
+          <p:cNvPr id="9" name="Picture 8">
+            <a:extLst>
+              <a:ext uri="{FF2B5EF4-FFF2-40B4-BE49-F238E27FC236}">
+                <a16:creationId xmlns:a16="http://schemas.microsoft.com/office/drawing/2014/main" id="{5643C70E-9394-4227-B261-B4A9F8D28F0F}"/>
+              </a:ext>
+            </a:extLst>
+          </p:cNvPr>
+          <p:cNvPicPr>
+            <a:picLocks noChangeAspect="1"/>
+          </p:cNvPicPr>
+          <p:nvPr/>
+        </p:nvPicPr>
+        <p:blipFill>
+          <a:blip r:embed="rId4"/>
+          <a:stretch>
+            <a:fillRect/>
+          </a:stretch>
+        </p:blipFill>
+        <p:spPr>
+          <a:xfrm>
+            <a:off x="7420155" y="3499301"/>
+            <a:ext cx="4208997" cy="3043070"/>
+          </a:xfrm>
+          <a:prstGeom prst="rect">
+            <a:avLst/>
+          </a:prstGeom>
+        </p:spPr>
+      </p:pic>
+      <p:sp>
+        <p:nvSpPr>
+          <p:cNvPr id="10" name="TextBox 9">
+            <a:extLst>
+              <a:ext uri="{FF2B5EF4-FFF2-40B4-BE49-F238E27FC236}">
+                <a16:creationId xmlns:a16="http://schemas.microsoft.com/office/drawing/2014/main" id="{65014C20-242E-4145-BAB0-1713AE85E4E1}"/>
+              </a:ext>
+            </a:extLst>
+          </p:cNvPr>
+          <p:cNvSpPr txBox="1"/>
+          <p:nvPr/>
+        </p:nvSpPr>
+        <p:spPr>
+          <a:xfrm>
+            <a:off x="2130439" y="4620637"/>
+            <a:ext cx="1352145" cy="369332"/>
+          </a:xfrm>
+          <a:prstGeom prst="rect">
+            <a:avLst/>
+          </a:prstGeom>
+          <a:noFill/>
+        </p:spPr>
+        <p:txBody>
+          <a:bodyPr wrap="square" rtlCol="0">
+            <a:spAutoFit/>
+          </a:bodyPr>
+          <a:lstStyle/>
+          <a:p>
+            <a:r>
+              <a:rPr lang="en-US" dirty="0"/>
+              <a:t>B2B trends</a:t>
+            </a:r>
+            <a:endParaRPr lang="en-GB" dirty="0"/>
+          </a:p>
+        </p:txBody>
+      </p:sp>
+      <p:sp>
+        <p:nvSpPr>
+          <p:cNvPr id="11" name="TextBox 10">
+            <a:extLst>
+              <a:ext uri="{FF2B5EF4-FFF2-40B4-BE49-F238E27FC236}">
+                <a16:creationId xmlns:a16="http://schemas.microsoft.com/office/drawing/2014/main" id="{B8C4EB9A-FF63-40D9-9055-C345EE760B7F}"/>
+              </a:ext>
+            </a:extLst>
+          </p:cNvPr>
+          <p:cNvSpPr txBox="1"/>
+          <p:nvPr/>
+        </p:nvSpPr>
+        <p:spPr>
+          <a:xfrm>
+            <a:off x="6718570" y="4027410"/>
+            <a:ext cx="461665" cy="1555787"/>
+          </a:xfrm>
+          <a:prstGeom prst="rect">
+            <a:avLst/>
+          </a:prstGeom>
+          <a:noFill/>
+        </p:spPr>
+        <p:txBody>
+          <a:bodyPr vert="vert270" wrap="square" rtlCol="0">
+            <a:spAutoFit/>
+          </a:bodyPr>
+          <a:lstStyle/>
+          <a:p>
+            <a:r>
+              <a:rPr lang="en-US" dirty="0"/>
+              <a:t>B2C trends</a:t>
+            </a:r>
+            <a:endParaRPr lang="en-GB" dirty="0"/>
+          </a:p>
+        </p:txBody>
+      </p:sp>
+      <p:sp>
+        <p:nvSpPr>
+          <p:cNvPr id="12" name="TextBox 11">
+            <a:extLst>
+              <a:ext uri="{FF2B5EF4-FFF2-40B4-BE49-F238E27FC236}">
+                <a16:creationId xmlns:a16="http://schemas.microsoft.com/office/drawing/2014/main" id="{DE8E2F51-745D-4D40-A117-36DA50F5B54F}"/>
+              </a:ext>
+            </a:extLst>
+          </p:cNvPr>
+          <p:cNvSpPr txBox="1"/>
+          <p:nvPr/>
+        </p:nvSpPr>
+        <p:spPr>
+          <a:xfrm>
+            <a:off x="6751232" y="706305"/>
+            <a:ext cx="461665" cy="1555787"/>
+          </a:xfrm>
+          <a:prstGeom prst="rect">
+            <a:avLst/>
+          </a:prstGeom>
+          <a:noFill/>
+        </p:spPr>
+        <p:txBody>
+          <a:bodyPr vert="vert270" wrap="square" rtlCol="0">
+            <a:spAutoFit/>
+          </a:bodyPr>
+          <a:lstStyle/>
+          <a:p>
+            <a:r>
+              <a:rPr lang="en-US" dirty="0"/>
+              <a:t>B2B2C trends</a:t>
+            </a:r>
+            <a:endParaRPr lang="en-GB" dirty="0"/>
+          </a:p>
+        </p:txBody>
+      </p:sp>
     </p:spTree>
     <p:extLst>
       <p:ext uri="{BB962C8B-B14F-4D97-AF65-F5344CB8AC3E}">
-        <p14:creationId xmlns:p14="http://schemas.microsoft.com/office/powerpoint/2010/main" val="3758228726"/>
+        <p14:creationId xmlns:p14="http://schemas.microsoft.com/office/powerpoint/2010/main" val="3482147582"/>
       </p:ext>
     </p:extLst>
   </p:cSld>
@@ -4834,6 +4756,453 @@
           <p:cNvPr id="2" name="Title 1">
             <a:extLst>
               <a:ext uri="{FF2B5EF4-FFF2-40B4-BE49-F238E27FC236}">
+                <a16:creationId xmlns:a16="http://schemas.microsoft.com/office/drawing/2014/main" id="{47D1617A-D0C6-482E-8C41-694D6EC7BF7A}"/>
+              </a:ext>
+            </a:extLst>
+          </p:cNvPr>
+          <p:cNvSpPr>
+            <a:spLocks noGrp="1"/>
+          </p:cNvSpPr>
+          <p:nvPr>
+            <p:ph type="title"/>
+          </p:nvPr>
+        </p:nvSpPr>
+        <p:spPr/>
+        <p:txBody>
+          <a:bodyPr/>
+          <a:lstStyle/>
+          <a:p>
+            <a:r>
+              <a:rPr lang="en-US" dirty="0"/>
+              <a:t>Nature of Data</a:t>
+            </a:r>
+            <a:endParaRPr lang="en-GB" dirty="0"/>
+          </a:p>
+        </p:txBody>
+      </p:sp>
+      <p:sp>
+        <p:nvSpPr>
+          <p:cNvPr id="3" name="Content Placeholder 2">
+            <a:extLst>
+              <a:ext uri="{FF2B5EF4-FFF2-40B4-BE49-F238E27FC236}">
+                <a16:creationId xmlns:a16="http://schemas.microsoft.com/office/drawing/2014/main" id="{EE7428AB-C4B6-4CCB-959F-915C01DF17C8}"/>
+              </a:ext>
+            </a:extLst>
+          </p:cNvPr>
+          <p:cNvSpPr>
+            <a:spLocks noGrp="1"/>
+          </p:cNvSpPr>
+          <p:nvPr>
+            <p:ph idx="1"/>
+          </p:nvPr>
+        </p:nvSpPr>
+        <p:spPr/>
+        <p:txBody>
+          <a:bodyPr/>
+          <a:lstStyle/>
+          <a:p>
+            <a:r>
+              <a:rPr lang="en-US" dirty="0"/>
+              <a:t>The data is a time-series data which is known from the lag plot</a:t>
+            </a:r>
+          </a:p>
+          <a:p>
+            <a:pPr marL="0" indent="0">
+              <a:buNone/>
+            </a:pPr>
+            <a:endParaRPr lang="en-GB" dirty="0"/>
+          </a:p>
+          <a:p>
+            <a:pPr marL="0" indent="0">
+              <a:buNone/>
+            </a:pPr>
+            <a:endParaRPr lang="en-US" dirty="0"/>
+          </a:p>
+        </p:txBody>
+      </p:sp>
+      <p:pic>
+        <p:nvPicPr>
+          <p:cNvPr id="5" name="Picture 4">
+            <a:extLst>
+              <a:ext uri="{FF2B5EF4-FFF2-40B4-BE49-F238E27FC236}">
+                <a16:creationId xmlns:a16="http://schemas.microsoft.com/office/drawing/2014/main" id="{136092CF-F7AD-44C5-9E56-78FAFB5BEFA7}"/>
+              </a:ext>
+            </a:extLst>
+          </p:cNvPr>
+          <p:cNvPicPr>
+            <a:picLocks noChangeAspect="1"/>
+          </p:cNvPicPr>
+          <p:nvPr/>
+        </p:nvPicPr>
+        <p:blipFill>
+          <a:blip r:embed="rId2">
+            <a:extLst>
+              <a:ext uri="{28A0092B-C50C-407E-A947-70E740481C1C}">
+                <a14:useLocalDpi xmlns:a14="http://schemas.microsoft.com/office/drawing/2010/main" val="0"/>
+              </a:ext>
+            </a:extLst>
+          </a:blip>
+          <a:stretch>
+            <a:fillRect/>
+          </a:stretch>
+        </p:blipFill>
+        <p:spPr>
+          <a:xfrm>
+            <a:off x="838200" y="2740001"/>
+            <a:ext cx="5652766" cy="3752874"/>
+          </a:xfrm>
+          <a:prstGeom prst="rect">
+            <a:avLst/>
+          </a:prstGeom>
+        </p:spPr>
+      </p:pic>
+      <p:sp>
+        <p:nvSpPr>
+          <p:cNvPr id="6" name="TextBox 5">
+            <a:extLst>
+              <a:ext uri="{FF2B5EF4-FFF2-40B4-BE49-F238E27FC236}">
+                <a16:creationId xmlns:a16="http://schemas.microsoft.com/office/drawing/2014/main" id="{41B6F97C-6A61-4DBC-929F-69116D5BB3B8}"/>
+              </a:ext>
+            </a:extLst>
+          </p:cNvPr>
+          <p:cNvSpPr txBox="1"/>
+          <p:nvPr/>
+        </p:nvSpPr>
+        <p:spPr>
+          <a:xfrm>
+            <a:off x="6692631" y="2740001"/>
+            <a:ext cx="4661170" cy="2677656"/>
+          </a:xfrm>
+          <a:prstGeom prst="rect">
+            <a:avLst/>
+          </a:prstGeom>
+          <a:noFill/>
+        </p:spPr>
+        <p:txBody>
+          <a:bodyPr wrap="square" rtlCol="0">
+            <a:spAutoFit/>
+          </a:bodyPr>
+          <a:lstStyle/>
+          <a:p>
+            <a:pPr marL="285750" indent="-285750">
+              <a:buFont typeface="Arial" panose="020B0604020202020204" pitchFamily="34" charset="0"/>
+              <a:buChar char="•"/>
+            </a:pPr>
+            <a:r>
+              <a:rPr lang="en-US" sz="2400" dirty="0"/>
+              <a:t>A Cumulative Sum is taken to project the data from Sl. No. 1 to Sl. No. 373</a:t>
+            </a:r>
+          </a:p>
+          <a:p>
+            <a:endParaRPr lang="en-US" sz="2400" dirty="0"/>
+          </a:p>
+          <a:p>
+            <a:pPr marL="285750" indent="-285750">
+              <a:buFont typeface="Arial" panose="020B0604020202020204" pitchFamily="34" charset="0"/>
+              <a:buChar char="•"/>
+            </a:pPr>
+            <a:r>
+              <a:rPr lang="en-GB" sz="2400" dirty="0"/>
+              <a:t>Here, re1_Commercial is a frequently occurring value within RE</a:t>
+            </a:r>
+          </a:p>
+        </p:txBody>
+      </p:sp>
+    </p:spTree>
+    <p:extLst>
+      <p:ext uri="{BB962C8B-B14F-4D97-AF65-F5344CB8AC3E}">
+        <p14:creationId xmlns:p14="http://schemas.microsoft.com/office/powerpoint/2010/main" val="3625959777"/>
+      </p:ext>
+    </p:extLst>
+  </p:cSld>
+  <p:clrMapOvr>
+    <a:masterClrMapping/>
+  </p:clrMapOvr>
+</p:sld>
+</file>
+
+<file path=ppt/slides/slide19.xml><?xml version="1.0" encoding="utf-8"?>
+<p:sld xmlns:a="http://schemas.openxmlformats.org/drawingml/2006/main" xmlns:r="http://schemas.openxmlformats.org/officeDocument/2006/relationships" xmlns:p="http://schemas.openxmlformats.org/presentationml/2006/main">
+  <p:cSld>
+    <p:spTree>
+      <p:nvGrpSpPr>
+        <p:cNvPr id="1" name=""/>
+        <p:cNvGrpSpPr/>
+        <p:nvPr/>
+      </p:nvGrpSpPr>
+      <p:grpSpPr>
+        <a:xfrm>
+          <a:off x="0" y="0"/>
+          <a:ext cx="0" cy="0"/>
+          <a:chOff x="0" y="0"/>
+          <a:chExt cx="0" cy="0"/>
+        </a:xfrm>
+      </p:grpSpPr>
+      <p:sp>
+        <p:nvSpPr>
+          <p:cNvPr id="2" name="Title 1">
+            <a:extLst>
+              <a:ext uri="{FF2B5EF4-FFF2-40B4-BE49-F238E27FC236}">
+                <a16:creationId xmlns:a16="http://schemas.microsoft.com/office/drawing/2014/main" id="{6B8D0259-60B0-4C19-ADB0-F8ED762B0204}"/>
+              </a:ext>
+            </a:extLst>
+          </p:cNvPr>
+          <p:cNvSpPr>
+            <a:spLocks noGrp="1"/>
+          </p:cNvSpPr>
+          <p:nvPr>
+            <p:ph type="title"/>
+          </p:nvPr>
+        </p:nvSpPr>
+        <p:spPr/>
+        <p:txBody>
+          <a:bodyPr/>
+          <a:lstStyle/>
+          <a:p>
+            <a:r>
+              <a:rPr lang="en-US" dirty="0"/>
+              <a:t>Time-series Data – Feasibility Check</a:t>
+            </a:r>
+            <a:endParaRPr lang="en-GB" dirty="0"/>
+          </a:p>
+        </p:txBody>
+      </p:sp>
+      <p:sp>
+        <p:nvSpPr>
+          <p:cNvPr id="3" name="Content Placeholder 2">
+            <a:extLst>
+              <a:ext uri="{FF2B5EF4-FFF2-40B4-BE49-F238E27FC236}">
+                <a16:creationId xmlns:a16="http://schemas.microsoft.com/office/drawing/2014/main" id="{141073EE-7BC7-425B-870B-E86BBD7A08EC}"/>
+              </a:ext>
+            </a:extLst>
+          </p:cNvPr>
+          <p:cNvSpPr>
+            <a:spLocks noGrp="1"/>
+          </p:cNvSpPr>
+          <p:nvPr>
+            <p:ph idx="1"/>
+          </p:nvPr>
+        </p:nvSpPr>
+        <p:spPr>
+          <a:xfrm>
+            <a:off x="838200" y="3326859"/>
+            <a:ext cx="10515600" cy="2850103"/>
+          </a:xfrm>
+        </p:spPr>
+        <p:txBody>
+          <a:bodyPr/>
+          <a:lstStyle/>
+          <a:p>
+            <a:r>
+              <a:rPr lang="en-US" dirty="0"/>
+              <a:t>Options for Prediction of Stage Attribute:</a:t>
+            </a:r>
+          </a:p>
+          <a:p>
+            <a:pPr lvl="1"/>
+            <a:r>
+              <a:rPr lang="en-US" dirty="0"/>
+              <a:t>Prediction by Auto Correlation (ARIMA) but ARIMA requires continuous data which misses key class, hence infeasible because data is not enough</a:t>
+            </a:r>
+          </a:p>
+          <a:p>
+            <a:pPr lvl="2"/>
+            <a:r>
+              <a:rPr lang="en-US" dirty="0"/>
+              <a:t>Only 10 classes are available when the dataset is split sequentially by </a:t>
+            </a:r>
+            <a:r>
+              <a:rPr lang="en-US" dirty="0" err="1"/>
+              <a:t>train_size</a:t>
+            </a:r>
+            <a:endParaRPr lang="en-US" dirty="0"/>
+          </a:p>
+          <a:p>
+            <a:pPr lvl="1"/>
+            <a:r>
+              <a:rPr lang="en-US" dirty="0"/>
+              <a:t>Prediction by Multi-Layer Perceptrons because they consider hyperplane splitting</a:t>
+            </a:r>
+          </a:p>
+          <a:p>
+            <a:pPr lvl="1"/>
+            <a:r>
+              <a:rPr lang="en-GB" dirty="0"/>
+              <a:t>Prediction by Support Vector Machines, by Kernel Trick</a:t>
+            </a:r>
+          </a:p>
+        </p:txBody>
+      </p:sp>
+      <p:pic>
+        <p:nvPicPr>
+          <p:cNvPr id="5" name="Picture 4">
+            <a:extLst>
+              <a:ext uri="{FF2B5EF4-FFF2-40B4-BE49-F238E27FC236}">
+                <a16:creationId xmlns:a16="http://schemas.microsoft.com/office/drawing/2014/main" id="{6F18329C-68A3-477D-A607-5DC08C8BD9D6}"/>
+              </a:ext>
+            </a:extLst>
+          </p:cNvPr>
+          <p:cNvPicPr>
+            <a:picLocks noChangeAspect="1"/>
+          </p:cNvPicPr>
+          <p:nvPr/>
+        </p:nvPicPr>
+        <p:blipFill>
+          <a:blip r:embed="rId2"/>
+          <a:stretch>
+            <a:fillRect/>
+          </a:stretch>
+        </p:blipFill>
+        <p:spPr>
+          <a:xfrm>
+            <a:off x="1809750" y="1690688"/>
+            <a:ext cx="8572500" cy="1362075"/>
+          </a:xfrm>
+          <a:prstGeom prst="rect">
+            <a:avLst/>
+          </a:prstGeom>
+        </p:spPr>
+      </p:pic>
+    </p:spTree>
+    <p:extLst>
+      <p:ext uri="{BB962C8B-B14F-4D97-AF65-F5344CB8AC3E}">
+        <p14:creationId xmlns:p14="http://schemas.microsoft.com/office/powerpoint/2010/main" val="3758228726"/>
+      </p:ext>
+    </p:extLst>
+  </p:cSld>
+  <p:clrMapOvr>
+    <a:masterClrMapping/>
+  </p:clrMapOvr>
+</p:sld>
+</file>
+
+<file path=ppt/slides/slide2.xml><?xml version="1.0" encoding="utf-8"?>
+<p:sld xmlns:a="http://schemas.openxmlformats.org/drawingml/2006/main" xmlns:r="http://schemas.openxmlformats.org/officeDocument/2006/relationships" xmlns:p="http://schemas.openxmlformats.org/presentationml/2006/main">
+  <p:cSld>
+    <p:spTree>
+      <p:nvGrpSpPr>
+        <p:cNvPr id="1" name=""/>
+        <p:cNvGrpSpPr/>
+        <p:nvPr/>
+      </p:nvGrpSpPr>
+      <p:grpSpPr>
+        <a:xfrm>
+          <a:off x="0" y="0"/>
+          <a:ext cx="0" cy="0"/>
+          <a:chOff x="0" y="0"/>
+          <a:chExt cx="0" cy="0"/>
+        </a:xfrm>
+      </p:grpSpPr>
+      <p:sp>
+        <p:nvSpPr>
+          <p:cNvPr id="2" name="Title 1">
+            <a:extLst>
+              <a:ext uri="{FF2B5EF4-FFF2-40B4-BE49-F238E27FC236}">
+                <a16:creationId xmlns:a16="http://schemas.microsoft.com/office/drawing/2014/main" id="{235237D5-FEEB-4FDE-8ECD-2AA8B0BCB0DD}"/>
+              </a:ext>
+            </a:extLst>
+          </p:cNvPr>
+          <p:cNvSpPr>
+            <a:spLocks noGrp="1"/>
+          </p:cNvSpPr>
+          <p:nvPr>
+            <p:ph type="title"/>
+          </p:nvPr>
+        </p:nvSpPr>
+        <p:spPr/>
+        <p:txBody>
+          <a:bodyPr/>
+          <a:lstStyle/>
+          <a:p>
+            <a:r>
+              <a:rPr lang="en-US" dirty="0"/>
+              <a:t>Data</a:t>
+            </a:r>
+            <a:endParaRPr lang="en-GB" dirty="0"/>
+          </a:p>
+        </p:txBody>
+      </p:sp>
+      <p:sp>
+        <p:nvSpPr>
+          <p:cNvPr id="3" name="Content Placeholder 2">
+            <a:extLst>
+              <a:ext uri="{FF2B5EF4-FFF2-40B4-BE49-F238E27FC236}">
+                <a16:creationId xmlns:a16="http://schemas.microsoft.com/office/drawing/2014/main" id="{3C31A74E-2A6A-4468-822A-E9C5BFCB8FA4}"/>
+              </a:ext>
+            </a:extLst>
+          </p:cNvPr>
+          <p:cNvSpPr>
+            <a:spLocks noGrp="1"/>
+          </p:cNvSpPr>
+          <p:nvPr>
+            <p:ph idx="1"/>
+          </p:nvPr>
+        </p:nvSpPr>
+        <p:spPr/>
+        <p:txBody>
+          <a:bodyPr/>
+          <a:lstStyle/>
+          <a:p>
+            <a:r>
+              <a:rPr lang="en-US" dirty="0"/>
+              <a:t>Data given is with categorical attributes, out of which some are nominal such as Continent, PropTech Vertical1, PropTech Vertical2, etc. and some are ordinal such as Month</a:t>
+            </a:r>
+          </a:p>
+          <a:p>
+            <a:r>
+              <a:rPr lang="en-US" dirty="0"/>
+              <a:t>The excel file has been converted to UTF-8 CSV format and imported using Pandas</a:t>
+            </a:r>
+          </a:p>
+          <a:p>
+            <a:r>
+              <a:rPr lang="en-GB" dirty="0"/>
+              <a:t>Outliers for the dataset have been found to be originating from NA, N/A and TBD for the Stage attribute. </a:t>
+            </a:r>
+          </a:p>
+          <a:p>
+            <a:r>
+              <a:rPr lang="en-GB" dirty="0"/>
+              <a:t>Sl. No. from the Data has been removed from the model visualization and training</a:t>
+            </a:r>
+          </a:p>
+        </p:txBody>
+      </p:sp>
+    </p:spTree>
+    <p:extLst>
+      <p:ext uri="{BB962C8B-B14F-4D97-AF65-F5344CB8AC3E}">
+        <p14:creationId xmlns:p14="http://schemas.microsoft.com/office/powerpoint/2010/main" val="2658136069"/>
+      </p:ext>
+    </p:extLst>
+  </p:cSld>
+  <p:clrMapOvr>
+    <a:masterClrMapping/>
+  </p:clrMapOvr>
+</p:sld>
+</file>
+
+<file path=ppt/slides/slide20.xml><?xml version="1.0" encoding="utf-8"?>
+<p:sld xmlns:a="http://schemas.openxmlformats.org/drawingml/2006/main" xmlns:r="http://schemas.openxmlformats.org/officeDocument/2006/relationships" xmlns:p="http://schemas.openxmlformats.org/presentationml/2006/main">
+  <p:cSld>
+    <p:spTree>
+      <p:nvGrpSpPr>
+        <p:cNvPr id="1" name=""/>
+        <p:cNvGrpSpPr/>
+        <p:nvPr/>
+      </p:nvGrpSpPr>
+      <p:grpSpPr>
+        <a:xfrm>
+          <a:off x="0" y="0"/>
+          <a:ext cx="0" cy="0"/>
+          <a:chOff x="0" y="0"/>
+          <a:chExt cx="0" cy="0"/>
+        </a:xfrm>
+      </p:grpSpPr>
+      <p:sp>
+        <p:nvSpPr>
+          <p:cNvPr id="2" name="Title 1">
+            <a:extLst>
+              <a:ext uri="{FF2B5EF4-FFF2-40B4-BE49-F238E27FC236}">
                 <a16:creationId xmlns:a16="http://schemas.microsoft.com/office/drawing/2014/main" id="{0106673A-1733-44BD-A5AA-8731B3161274}"/>
               </a:ext>
             </a:extLst>
@@ -4930,7 +5299,7 @@
 </p:sld>
 </file>
 
-<file path=ppt/slides/slide19.xml><?xml version="1.0" encoding="utf-8"?>
+<file path=ppt/slides/slide21.xml><?xml version="1.0" encoding="utf-8"?>
 <p:sld xmlns:a="http://schemas.openxmlformats.org/drawingml/2006/main" xmlns:r="http://schemas.openxmlformats.org/officeDocument/2006/relationships" xmlns:p="http://schemas.openxmlformats.org/presentationml/2006/main">
   <p:cSld>
     <p:spTree>
@@ -5330,422 +5699,6 @@
 </p:sld>
 </file>
 
-<file path=ppt/slides/slide2.xml><?xml version="1.0" encoding="utf-8"?>
-<p:sld xmlns:a="http://schemas.openxmlformats.org/drawingml/2006/main" xmlns:r="http://schemas.openxmlformats.org/officeDocument/2006/relationships" xmlns:p="http://schemas.openxmlformats.org/presentationml/2006/main">
-  <p:cSld>
-    <p:spTree>
-      <p:nvGrpSpPr>
-        <p:cNvPr id="1" name=""/>
-        <p:cNvGrpSpPr/>
-        <p:nvPr/>
-      </p:nvGrpSpPr>
-      <p:grpSpPr>
-        <a:xfrm>
-          <a:off x="0" y="0"/>
-          <a:ext cx="0" cy="0"/>
-          <a:chOff x="0" y="0"/>
-          <a:chExt cx="0" cy="0"/>
-        </a:xfrm>
-      </p:grpSpPr>
-      <p:sp>
-        <p:nvSpPr>
-          <p:cNvPr id="2" name="Title 1">
-            <a:extLst>
-              <a:ext uri="{FF2B5EF4-FFF2-40B4-BE49-F238E27FC236}">
-                <a16:creationId xmlns:a16="http://schemas.microsoft.com/office/drawing/2014/main" id="{235237D5-FEEB-4FDE-8ECD-2AA8B0BCB0DD}"/>
-              </a:ext>
-            </a:extLst>
-          </p:cNvPr>
-          <p:cNvSpPr>
-            <a:spLocks noGrp="1"/>
-          </p:cNvSpPr>
-          <p:nvPr>
-            <p:ph type="title"/>
-          </p:nvPr>
-        </p:nvSpPr>
-        <p:spPr/>
-        <p:txBody>
-          <a:bodyPr/>
-          <a:lstStyle/>
-          <a:p>
-            <a:r>
-              <a:rPr lang="en-US" dirty="0"/>
-              <a:t>Data</a:t>
-            </a:r>
-            <a:endParaRPr lang="en-GB" dirty="0"/>
-          </a:p>
-        </p:txBody>
-      </p:sp>
-      <p:sp>
-        <p:nvSpPr>
-          <p:cNvPr id="3" name="Content Placeholder 2">
-            <a:extLst>
-              <a:ext uri="{FF2B5EF4-FFF2-40B4-BE49-F238E27FC236}">
-                <a16:creationId xmlns:a16="http://schemas.microsoft.com/office/drawing/2014/main" id="{3C31A74E-2A6A-4468-822A-E9C5BFCB8FA4}"/>
-              </a:ext>
-            </a:extLst>
-          </p:cNvPr>
-          <p:cNvSpPr>
-            <a:spLocks noGrp="1"/>
-          </p:cNvSpPr>
-          <p:nvPr>
-            <p:ph idx="1"/>
-          </p:nvPr>
-        </p:nvSpPr>
-        <p:spPr/>
-        <p:txBody>
-          <a:bodyPr/>
-          <a:lstStyle/>
-          <a:p>
-            <a:r>
-              <a:rPr lang="en-US" dirty="0"/>
-              <a:t>Data given is with categorical attributes, out of which some are nominal such as Continent, PropTech Vertical1, PropTech Vertical2, etc. and some are ordinal such as Month</a:t>
-            </a:r>
-          </a:p>
-          <a:p>
-            <a:r>
-              <a:rPr lang="en-US" dirty="0"/>
-              <a:t>The excel file has been converted to UTF-8 CSV format and imported using Pandas</a:t>
-            </a:r>
-          </a:p>
-          <a:p>
-            <a:r>
-              <a:rPr lang="en-GB" dirty="0"/>
-              <a:t>Outliers for the dataset have been found to be originating from NA, N/A and TBD for the Stage attribute. </a:t>
-            </a:r>
-          </a:p>
-          <a:p>
-            <a:r>
-              <a:rPr lang="en-GB" dirty="0"/>
-              <a:t>Sl. No. from the Data has been removed from the model visualization and training</a:t>
-            </a:r>
-          </a:p>
-        </p:txBody>
-      </p:sp>
-    </p:spTree>
-    <p:extLst>
-      <p:ext uri="{BB962C8B-B14F-4D97-AF65-F5344CB8AC3E}">
-        <p14:creationId xmlns:p14="http://schemas.microsoft.com/office/powerpoint/2010/main" val="2658136069"/>
-      </p:ext>
-    </p:extLst>
-  </p:cSld>
-  <p:clrMapOvr>
-    <a:masterClrMapping/>
-  </p:clrMapOvr>
-</p:sld>
-</file>
-
-<file path=ppt/slides/slide20.xml><?xml version="1.0" encoding="utf-8"?>
-<p:sld xmlns:a="http://schemas.openxmlformats.org/drawingml/2006/main" xmlns:r="http://schemas.openxmlformats.org/officeDocument/2006/relationships" xmlns:p="http://schemas.openxmlformats.org/presentationml/2006/main">
-  <p:cSld>
-    <p:spTree>
-      <p:nvGrpSpPr>
-        <p:cNvPr id="1" name=""/>
-        <p:cNvGrpSpPr/>
-        <p:nvPr/>
-      </p:nvGrpSpPr>
-      <p:grpSpPr>
-        <a:xfrm>
-          <a:off x="0" y="0"/>
-          <a:ext cx="0" cy="0"/>
-          <a:chOff x="0" y="0"/>
-          <a:chExt cx="0" cy="0"/>
-        </a:xfrm>
-      </p:grpSpPr>
-      <p:sp>
-        <p:nvSpPr>
-          <p:cNvPr id="2" name="Title 1">
-            <a:extLst>
-              <a:ext uri="{FF2B5EF4-FFF2-40B4-BE49-F238E27FC236}">
-                <a16:creationId xmlns:a16="http://schemas.microsoft.com/office/drawing/2014/main" id="{5A83BF21-0023-495C-A207-4E9DDA330A2E}"/>
-              </a:ext>
-            </a:extLst>
-          </p:cNvPr>
-          <p:cNvSpPr>
-            <a:spLocks noGrp="1"/>
-          </p:cNvSpPr>
-          <p:nvPr>
-            <p:ph type="title"/>
-          </p:nvPr>
-        </p:nvSpPr>
-        <p:spPr/>
-        <p:txBody>
-          <a:bodyPr/>
-          <a:lstStyle/>
-          <a:p>
-            <a:r>
-              <a:rPr lang="en-US" dirty="0"/>
-              <a:t>Possible Suggestions</a:t>
-            </a:r>
-            <a:endParaRPr lang="en-GB" dirty="0"/>
-          </a:p>
-        </p:txBody>
-      </p:sp>
-      <p:sp>
-        <p:nvSpPr>
-          <p:cNvPr id="3" name="Content Placeholder 2">
-            <a:extLst>
-              <a:ext uri="{FF2B5EF4-FFF2-40B4-BE49-F238E27FC236}">
-                <a16:creationId xmlns:a16="http://schemas.microsoft.com/office/drawing/2014/main" id="{73F8B32F-CF54-4D93-A60B-DE8622F3F7BF}"/>
-              </a:ext>
-            </a:extLst>
-          </p:cNvPr>
-          <p:cNvSpPr>
-            <a:spLocks noGrp="1"/>
-          </p:cNvSpPr>
-          <p:nvPr>
-            <p:ph idx="1"/>
-          </p:nvPr>
-        </p:nvSpPr>
-        <p:spPr/>
-        <p:txBody>
-          <a:bodyPr/>
-          <a:lstStyle/>
-          <a:p>
-            <a:r>
-              <a:rPr lang="en-US" dirty="0"/>
-              <a:t>Allocation Efficiency Evaluation by Metadata through Slacks-based Measure or Regular DEA (Data Envelopment Analysis)</a:t>
-            </a:r>
-          </a:p>
-          <a:p>
-            <a:pPr marL="0" indent="0">
-              <a:buNone/>
-            </a:pPr>
-            <a:endParaRPr lang="en-GB" dirty="0"/>
-          </a:p>
-          <a:p>
-            <a:pPr marL="0" indent="0">
-              <a:buNone/>
-            </a:pPr>
-            <a:endParaRPr lang="en-GB" dirty="0"/>
-          </a:p>
-          <a:p>
-            <a:pPr marL="0" indent="0">
-              <a:buNone/>
-            </a:pPr>
-            <a:endParaRPr lang="en-GB" dirty="0"/>
-          </a:p>
-          <a:p>
-            <a:pPr marL="0" indent="0">
-              <a:buNone/>
-            </a:pPr>
-            <a:endParaRPr lang="en-GB" dirty="0"/>
-          </a:p>
-          <a:p>
-            <a:pPr marL="0" indent="0">
-              <a:buNone/>
-            </a:pPr>
-            <a:endParaRPr lang="en-GB" dirty="0"/>
-          </a:p>
-          <a:p>
-            <a:r>
-              <a:rPr lang="en-GB" dirty="0"/>
-              <a:t>We get the 4</a:t>
-            </a:r>
-            <a:r>
-              <a:rPr lang="en-GB" baseline="30000" dirty="0"/>
-              <a:t>th</a:t>
-            </a:r>
-            <a:r>
-              <a:rPr lang="en-GB" dirty="0"/>
-              <a:t> Dimension to have Max and Min columns filled by HQ attribute</a:t>
-            </a:r>
-          </a:p>
-        </p:txBody>
-      </p:sp>
-      <p:pic>
-        <p:nvPicPr>
-          <p:cNvPr id="5" name="Picture 4">
-            <a:extLst>
-              <a:ext uri="{FF2B5EF4-FFF2-40B4-BE49-F238E27FC236}">
-                <a16:creationId xmlns:a16="http://schemas.microsoft.com/office/drawing/2014/main" id="{0440F469-2CAA-460E-9434-6828AFC9B4B6}"/>
-              </a:ext>
-            </a:extLst>
-          </p:cNvPr>
-          <p:cNvPicPr>
-            <a:picLocks noChangeAspect="1"/>
-          </p:cNvPicPr>
-          <p:nvPr/>
-        </p:nvPicPr>
-        <p:blipFill>
-          <a:blip r:embed="rId2"/>
-          <a:stretch>
-            <a:fillRect/>
-          </a:stretch>
-        </p:blipFill>
-        <p:spPr>
-          <a:xfrm>
-            <a:off x="1421149" y="3044031"/>
-            <a:ext cx="9077325" cy="1914525"/>
-          </a:xfrm>
-          <a:prstGeom prst="rect">
-            <a:avLst/>
-          </a:prstGeom>
-        </p:spPr>
-      </p:pic>
-    </p:spTree>
-    <p:extLst>
-      <p:ext uri="{BB962C8B-B14F-4D97-AF65-F5344CB8AC3E}">
-        <p14:creationId xmlns:p14="http://schemas.microsoft.com/office/powerpoint/2010/main" val="2175542165"/>
-      </p:ext>
-    </p:extLst>
-  </p:cSld>
-  <p:clrMapOvr>
-    <a:masterClrMapping/>
-  </p:clrMapOvr>
-</p:sld>
-</file>
-
-<file path=ppt/slides/slide21.xml><?xml version="1.0" encoding="utf-8"?>
-<p:sld xmlns:a="http://schemas.openxmlformats.org/drawingml/2006/main" xmlns:r="http://schemas.openxmlformats.org/officeDocument/2006/relationships" xmlns:p="http://schemas.openxmlformats.org/presentationml/2006/main">
-  <p:cSld>
-    <p:spTree>
-      <p:nvGrpSpPr>
-        <p:cNvPr id="1" name=""/>
-        <p:cNvGrpSpPr/>
-        <p:nvPr/>
-      </p:nvGrpSpPr>
-      <p:grpSpPr>
-        <a:xfrm>
-          <a:off x="0" y="0"/>
-          <a:ext cx="0" cy="0"/>
-          <a:chOff x="0" y="0"/>
-          <a:chExt cx="0" cy="0"/>
-        </a:xfrm>
-      </p:grpSpPr>
-      <p:sp>
-        <p:nvSpPr>
-          <p:cNvPr id="2" name="Title 1">
-            <a:extLst>
-              <a:ext uri="{FF2B5EF4-FFF2-40B4-BE49-F238E27FC236}">
-                <a16:creationId xmlns:a16="http://schemas.microsoft.com/office/drawing/2014/main" id="{2B555512-268A-451E-99C5-D654A4328E44}"/>
-              </a:ext>
-            </a:extLst>
-          </p:cNvPr>
-          <p:cNvSpPr>
-            <a:spLocks noGrp="1"/>
-          </p:cNvSpPr>
-          <p:nvPr>
-            <p:ph type="title"/>
-          </p:nvPr>
-        </p:nvSpPr>
-        <p:spPr/>
-        <p:txBody>
-          <a:bodyPr/>
-          <a:lstStyle/>
-          <a:p>
-            <a:r>
-              <a:rPr lang="en-US" dirty="0"/>
-              <a:t>Best Fit Distribution</a:t>
-            </a:r>
-            <a:endParaRPr lang="en-GB" dirty="0"/>
-          </a:p>
-        </p:txBody>
-      </p:sp>
-      <p:sp>
-        <p:nvSpPr>
-          <p:cNvPr id="3" name="Content Placeholder 2">
-            <a:extLst>
-              <a:ext uri="{FF2B5EF4-FFF2-40B4-BE49-F238E27FC236}">
-                <a16:creationId xmlns:a16="http://schemas.microsoft.com/office/drawing/2014/main" id="{9A15EDEA-3AD8-40E3-B495-984E1C88E3CD}"/>
-              </a:ext>
-            </a:extLst>
-          </p:cNvPr>
-          <p:cNvSpPr>
-            <a:spLocks noGrp="1"/>
-          </p:cNvSpPr>
-          <p:nvPr>
-            <p:ph idx="1"/>
-          </p:nvPr>
-        </p:nvSpPr>
-        <p:spPr>
-          <a:xfrm>
-            <a:off x="838200" y="1825625"/>
-            <a:ext cx="6671553" cy="4351338"/>
-          </a:xfrm>
-        </p:spPr>
-        <p:txBody>
-          <a:bodyPr/>
-          <a:lstStyle/>
-          <a:p>
-            <a:r>
-              <a:rPr lang="en-US" dirty="0"/>
-              <a:t>In order to assume our Decision Making Units (DMUs) coming from a distribution, let us find out how the 4</a:t>
-            </a:r>
-            <a:r>
-              <a:rPr lang="en-US" baseline="30000" dirty="0"/>
-              <a:t>th</a:t>
-            </a:r>
-            <a:r>
-              <a:rPr lang="en-US" dirty="0"/>
-              <a:t> Principal Component is Arranged.</a:t>
-            </a:r>
-          </a:p>
-          <a:p>
-            <a:r>
-              <a:rPr lang="en-US" dirty="0"/>
-              <a:t>We use Akaike Information Criterion (AIC) to consider the smallest and find closest match to the given distribution of 4</a:t>
-            </a:r>
-            <a:r>
-              <a:rPr lang="en-US" baseline="30000" dirty="0"/>
-              <a:t>th</a:t>
-            </a:r>
-            <a:r>
-              <a:rPr lang="en-US" dirty="0"/>
-              <a:t> Principal Component</a:t>
-            </a:r>
-          </a:p>
-          <a:p>
-            <a:pPr marL="0" indent="0">
-              <a:buNone/>
-            </a:pPr>
-            <a:endParaRPr lang="en-US" dirty="0"/>
-          </a:p>
-        </p:txBody>
-      </p:sp>
-      <p:pic>
-        <p:nvPicPr>
-          <p:cNvPr id="5" name="Picture 4">
-            <a:extLst>
-              <a:ext uri="{FF2B5EF4-FFF2-40B4-BE49-F238E27FC236}">
-                <a16:creationId xmlns:a16="http://schemas.microsoft.com/office/drawing/2014/main" id="{2B0092C3-4F00-4BB0-A54C-43A71130031C}"/>
-              </a:ext>
-            </a:extLst>
-          </p:cNvPr>
-          <p:cNvPicPr>
-            <a:picLocks noChangeAspect="1"/>
-          </p:cNvPicPr>
-          <p:nvPr/>
-        </p:nvPicPr>
-        <p:blipFill>
-          <a:blip r:embed="rId2"/>
-          <a:stretch>
-            <a:fillRect/>
-          </a:stretch>
-        </p:blipFill>
-        <p:spPr>
-          <a:xfrm>
-            <a:off x="7631598" y="1690687"/>
-            <a:ext cx="4026496" cy="4116726"/>
-          </a:xfrm>
-          <a:prstGeom prst="rect">
-            <a:avLst/>
-          </a:prstGeom>
-        </p:spPr>
-      </p:pic>
-    </p:spTree>
-    <p:extLst>
-      <p:ext uri="{BB962C8B-B14F-4D97-AF65-F5344CB8AC3E}">
-        <p14:creationId xmlns:p14="http://schemas.microsoft.com/office/powerpoint/2010/main" val="1585240193"/>
-      </p:ext>
-    </p:extLst>
-  </p:cSld>
-  <p:clrMapOvr>
-    <a:masterClrMapping/>
-  </p:clrMapOvr>
-</p:sld>
-</file>
-
 <file path=ppt/slides/slide22.xml><?xml version="1.0" encoding="utf-8"?>
 <p:sld xmlns:a="http://schemas.openxmlformats.org/drawingml/2006/main" xmlns:r="http://schemas.openxmlformats.org/officeDocument/2006/relationships" xmlns:p="http://schemas.openxmlformats.org/presentationml/2006/main">
   <p:cSld>
@@ -5768,7 +5721,7 @@
           <p:cNvPr id="2" name="Title 1">
             <a:extLst>
               <a:ext uri="{FF2B5EF4-FFF2-40B4-BE49-F238E27FC236}">
-                <a16:creationId xmlns:a16="http://schemas.microsoft.com/office/drawing/2014/main" id="{6765B804-E7CB-497B-8EE4-BEB3DBFA356D}"/>
+                <a16:creationId xmlns:a16="http://schemas.microsoft.com/office/drawing/2014/main" id="{5A83BF21-0023-495C-A207-4E9DDA330A2E}"/>
               </a:ext>
             </a:extLst>
           </p:cNvPr>
@@ -5786,27 +5739,97 @@
           <a:p>
             <a:r>
               <a:rPr lang="en-US" dirty="0"/>
-              <a:t>Best Fit Distribution…</a:t>
+              <a:t>Possible Suggestions</a:t>
             </a:r>
             <a:endParaRPr lang="en-GB" dirty="0"/>
+          </a:p>
+        </p:txBody>
+      </p:sp>
+      <p:sp>
+        <p:nvSpPr>
+          <p:cNvPr id="3" name="Content Placeholder 2">
+            <a:extLst>
+              <a:ext uri="{FF2B5EF4-FFF2-40B4-BE49-F238E27FC236}">
+                <a16:creationId xmlns:a16="http://schemas.microsoft.com/office/drawing/2014/main" id="{73F8B32F-CF54-4D93-A60B-DE8622F3F7BF}"/>
+              </a:ext>
+            </a:extLst>
+          </p:cNvPr>
+          <p:cNvSpPr>
+            <a:spLocks noGrp="1"/>
+          </p:cNvSpPr>
+          <p:nvPr>
+            <p:ph idx="1"/>
+          </p:nvPr>
+        </p:nvSpPr>
+        <p:spPr/>
+        <p:txBody>
+          <a:bodyPr/>
+          <a:lstStyle/>
+          <a:p>
+            <a:r>
+              <a:rPr lang="en-US" dirty="0"/>
+              <a:t>Allocation Efficiency Evaluation by Metadata through Slacks-based Measure or Regular DEA (Data Envelopment Analysis)</a:t>
+            </a:r>
+          </a:p>
+          <a:p>
+            <a:pPr marL="0" indent="0">
+              <a:buNone/>
+            </a:pPr>
+            <a:endParaRPr lang="en-GB" dirty="0"/>
+          </a:p>
+          <a:p>
+            <a:pPr marL="0" indent="0">
+              <a:buNone/>
+            </a:pPr>
+            <a:endParaRPr lang="en-GB" dirty="0"/>
+          </a:p>
+          <a:p>
+            <a:pPr marL="0" indent="0">
+              <a:buNone/>
+            </a:pPr>
+            <a:endParaRPr lang="en-GB" dirty="0"/>
+          </a:p>
+          <a:p>
+            <a:pPr marL="0" indent="0">
+              <a:buNone/>
+            </a:pPr>
+            <a:endParaRPr lang="en-GB" dirty="0"/>
+          </a:p>
+          <a:p>
+            <a:pPr marL="0" indent="0">
+              <a:buNone/>
+            </a:pPr>
+            <a:endParaRPr lang="en-GB" dirty="0"/>
+          </a:p>
+          <a:p>
+            <a:r>
+              <a:rPr lang="en-GB" dirty="0"/>
+              <a:t>We get the 4</a:t>
+            </a:r>
+            <a:r>
+              <a:rPr lang="en-GB" baseline="30000" dirty="0"/>
+              <a:t>th</a:t>
+            </a:r>
+            <a:r>
+              <a:rPr lang="en-GB" dirty="0"/>
+              <a:t> Dimension to have Max and Min columns filled by HQ attribute</a:t>
+            </a:r>
           </a:p>
         </p:txBody>
       </p:sp>
       <p:pic>
         <p:nvPicPr>
-          <p:cNvPr id="5" name="Content Placeholder 4">
-            <a:extLst>
-              <a:ext uri="{FF2B5EF4-FFF2-40B4-BE49-F238E27FC236}">
-                <a16:creationId xmlns:a16="http://schemas.microsoft.com/office/drawing/2014/main" id="{D2A0980D-A46C-4202-86AF-4E3A7C7E4657}"/>
+          <p:cNvPr id="5" name="Picture 4">
+            <a:extLst>
+              <a:ext uri="{FF2B5EF4-FFF2-40B4-BE49-F238E27FC236}">
+                <a16:creationId xmlns:a16="http://schemas.microsoft.com/office/drawing/2014/main" id="{0440F469-2CAA-460E-9434-6828AFC9B4B6}"/>
               </a:ext>
             </a:extLst>
           </p:cNvPr>
           <p:cNvPicPr>
-            <a:picLocks noGrp="1" noChangeAspect="1"/>
+            <a:picLocks noChangeAspect="1"/>
           </p:cNvPicPr>
-          <p:nvPr>
-            <p:ph idx="1"/>
-          </p:nvPr>
+          <p:nvPr/>
         </p:nvPicPr>
         <p:blipFill>
           <a:blip r:embed="rId2"/>
@@ -5816,82 +5839,18 @@
         </p:blipFill>
         <p:spPr>
           <a:xfrm>
-            <a:off x="838199" y="1459335"/>
-            <a:ext cx="10612681" cy="3764418"/>
-          </a:xfrm>
-        </p:spPr>
-      </p:pic>
-      <p:sp>
-        <p:nvSpPr>
-          <p:cNvPr id="6" name="TextBox 5">
-            <a:extLst>
-              <a:ext uri="{FF2B5EF4-FFF2-40B4-BE49-F238E27FC236}">
-                <a16:creationId xmlns:a16="http://schemas.microsoft.com/office/drawing/2014/main" id="{8EEFD541-B234-458D-9DA8-5E76B991739E}"/>
-              </a:ext>
-            </a:extLst>
-          </p:cNvPr>
-          <p:cNvSpPr txBox="1"/>
-          <p:nvPr/>
-        </p:nvSpPr>
-        <p:spPr>
-          <a:xfrm>
-            <a:off x="953311" y="5136204"/>
-            <a:ext cx="10400489" cy="1200329"/>
+            <a:off x="1421149" y="3044031"/>
+            <a:ext cx="9077325" cy="1914525"/>
           </a:xfrm>
           <a:prstGeom prst="rect">
             <a:avLst/>
           </a:prstGeom>
-          <a:noFill/>
-        </p:spPr>
-        <p:txBody>
-          <a:bodyPr wrap="square" rtlCol="0">
-            <a:spAutoFit/>
-          </a:bodyPr>
-          <a:lstStyle/>
-          <a:p>
-            <a:pPr marL="285750" indent="-285750">
-              <a:buFont typeface="Arial" panose="020B0604020202020204" pitchFamily="34" charset="0"/>
-              <a:buChar char="•"/>
-            </a:pPr>
-            <a:r>
-              <a:rPr lang="en-US" sz="2400" dirty="0"/>
-              <a:t>We get a Gamma Distribution for the 4</a:t>
-            </a:r>
-            <a:r>
-              <a:rPr lang="en-US" sz="2400" baseline="30000" dirty="0"/>
-              <a:t>th</a:t>
-            </a:r>
-            <a:r>
-              <a:rPr lang="en-US" sz="2400" dirty="0"/>
-              <a:t> Principal Component, with</a:t>
-            </a:r>
-          </a:p>
-          <a:p>
-            <a:pPr marL="285750" indent="-285750">
-              <a:buFont typeface="Arial" panose="020B0604020202020204" pitchFamily="34" charset="0"/>
-              <a:buChar char="•"/>
-            </a:pPr>
-            <a:r>
-              <a:rPr lang="en-GB" sz="2400" dirty="0"/>
-              <a:t>AIC = 424.0305</a:t>
-            </a:r>
-          </a:p>
-          <a:p>
-            <a:pPr marL="285750" indent="-285750">
-              <a:buFont typeface="Arial" panose="020B0604020202020204" pitchFamily="34" charset="0"/>
-              <a:buChar char="•"/>
-            </a:pPr>
-            <a:r>
-              <a:rPr lang="en-GB" sz="2400" dirty="0"/>
-              <a:t>a = 39.2646, loc = -2.7505, scale = 0.07005</a:t>
-            </a:r>
-          </a:p>
-        </p:txBody>
-      </p:sp>
+        </p:spPr>
+      </p:pic>
     </p:spTree>
     <p:extLst>
       <p:ext uri="{BB962C8B-B14F-4D97-AF65-F5344CB8AC3E}">
-        <p14:creationId xmlns:p14="http://schemas.microsoft.com/office/powerpoint/2010/main" val="719803470"/>
+        <p14:creationId xmlns:p14="http://schemas.microsoft.com/office/powerpoint/2010/main" val="2175542165"/>
       </p:ext>
     </p:extLst>
   </p:cSld>
@@ -5923,7 +5882,7 @@
           <p:cNvPr id="2" name="Title 1">
             <a:extLst>
               <a:ext uri="{FF2B5EF4-FFF2-40B4-BE49-F238E27FC236}">
-                <a16:creationId xmlns:a16="http://schemas.microsoft.com/office/drawing/2014/main" id="{9A4F5E57-7FF9-4FC5-BA5F-4A78DEF6D56F}"/>
+                <a16:creationId xmlns:a16="http://schemas.microsoft.com/office/drawing/2014/main" id="{2B555512-268A-451E-99C5-D654A4328E44}"/>
               </a:ext>
             </a:extLst>
           </p:cNvPr>
@@ -5941,27 +5900,86 @@
           <a:p>
             <a:r>
               <a:rPr lang="en-US" dirty="0"/>
-              <a:t>A DEA Problem</a:t>
+              <a:t>Best Fit Distribution</a:t>
             </a:r>
             <a:endParaRPr lang="en-GB" dirty="0"/>
+          </a:p>
+        </p:txBody>
+      </p:sp>
+      <p:sp>
+        <p:nvSpPr>
+          <p:cNvPr id="3" name="Content Placeholder 2">
+            <a:extLst>
+              <a:ext uri="{FF2B5EF4-FFF2-40B4-BE49-F238E27FC236}">
+                <a16:creationId xmlns:a16="http://schemas.microsoft.com/office/drawing/2014/main" id="{9A15EDEA-3AD8-40E3-B495-984E1C88E3CD}"/>
+              </a:ext>
+            </a:extLst>
+          </p:cNvPr>
+          <p:cNvSpPr>
+            <a:spLocks noGrp="1"/>
+          </p:cNvSpPr>
+          <p:nvPr>
+            <p:ph idx="1"/>
+          </p:nvPr>
+        </p:nvSpPr>
+        <p:spPr>
+          <a:xfrm>
+            <a:off x="838200" y="1825625"/>
+            <a:ext cx="6671553" cy="4351338"/>
+          </a:xfrm>
+        </p:spPr>
+        <p:txBody>
+          <a:bodyPr/>
+          <a:lstStyle/>
+          <a:p>
+            <a:r>
+              <a:rPr lang="en-US" dirty="0"/>
+              <a:t>In order to assume our Decision Making Units (DMUs) coming from a distribution, let us find out how the 4</a:t>
+            </a:r>
+            <a:r>
+              <a:rPr lang="en-US" baseline="30000" dirty="0"/>
+              <a:t>th</a:t>
+            </a:r>
+            <a:r>
+              <a:rPr lang="en-US" dirty="0"/>
+              <a:t> Principal Component is Arranged.</a:t>
+            </a:r>
+          </a:p>
+          <a:p>
+            <a:r>
+              <a:rPr lang="en-US" dirty="0"/>
+              <a:t>We use Akaike Information Criterion (AIC) to consider the smallest and find closest match to the given distribution of 4</a:t>
+            </a:r>
+            <a:r>
+              <a:rPr lang="en-US" baseline="30000" dirty="0"/>
+              <a:t>th</a:t>
+            </a:r>
+            <a:r>
+              <a:rPr lang="en-US" dirty="0"/>
+              <a:t> Principal Component</a:t>
+            </a:r>
+          </a:p>
+          <a:p>
+            <a:pPr marL="0" indent="0">
+              <a:buNone/>
+            </a:pPr>
+            <a:endParaRPr lang="en-US" dirty="0"/>
           </a:p>
         </p:txBody>
       </p:sp>
       <p:pic>
         <p:nvPicPr>
-          <p:cNvPr id="5" name="Content Placeholder 4">
-            <a:extLst>
-              <a:ext uri="{FF2B5EF4-FFF2-40B4-BE49-F238E27FC236}">
-                <a16:creationId xmlns:a16="http://schemas.microsoft.com/office/drawing/2014/main" id="{65C030D5-57F5-407D-8FF2-EE9612D5CC7F}"/>
+          <p:cNvPr id="5" name="Picture 4">
+            <a:extLst>
+              <a:ext uri="{FF2B5EF4-FFF2-40B4-BE49-F238E27FC236}">
+                <a16:creationId xmlns:a16="http://schemas.microsoft.com/office/drawing/2014/main" id="{2B0092C3-4F00-4BB0-A54C-43A71130031C}"/>
               </a:ext>
             </a:extLst>
           </p:cNvPr>
           <p:cNvPicPr>
-            <a:picLocks noGrp="1" noChangeAspect="1"/>
+            <a:picLocks noChangeAspect="1"/>
           </p:cNvPicPr>
-          <p:nvPr>
-            <p:ph idx="1"/>
-          </p:nvPr>
+          <p:nvPr/>
         </p:nvPicPr>
         <p:blipFill>
           <a:blip r:embed="rId2"/>
@@ -5971,15 +5989,18 @@
         </p:blipFill>
         <p:spPr>
           <a:xfrm>
-            <a:off x="1080686" y="1825625"/>
-            <a:ext cx="10030627" cy="4351338"/>
-          </a:xfrm>
+            <a:off x="7631598" y="1690687"/>
+            <a:ext cx="4026496" cy="4116726"/>
+          </a:xfrm>
+          <a:prstGeom prst="rect">
+            <a:avLst/>
+          </a:prstGeom>
         </p:spPr>
       </p:pic>
     </p:spTree>
     <p:extLst>
       <p:ext uri="{BB962C8B-B14F-4D97-AF65-F5344CB8AC3E}">
-        <p14:creationId xmlns:p14="http://schemas.microsoft.com/office/powerpoint/2010/main" val="934791047"/>
+        <p14:creationId xmlns:p14="http://schemas.microsoft.com/office/powerpoint/2010/main" val="1585240193"/>
       </p:ext>
     </p:extLst>
   </p:cSld>
@@ -6011,7 +6032,7 @@
           <p:cNvPr id="2" name="Title 1">
             <a:extLst>
               <a:ext uri="{FF2B5EF4-FFF2-40B4-BE49-F238E27FC236}">
-                <a16:creationId xmlns:a16="http://schemas.microsoft.com/office/drawing/2014/main" id="{8A96F38D-3231-42E7-8C3A-FD81B4882DDD}"/>
+                <a16:creationId xmlns:a16="http://schemas.microsoft.com/office/drawing/2014/main" id="{6765B804-E7CB-497B-8EE4-BEB3DBFA356D}"/>
               </a:ext>
             </a:extLst>
           </p:cNvPr>
@@ -6029,7 +6050,7 @@
           <a:p>
             <a:r>
               <a:rPr lang="en-US" dirty="0"/>
-              <a:t>A DEA Problem…</a:t>
+              <a:t>Best Fit Distribution…</a:t>
             </a:r>
             <a:endParaRPr lang="en-GB" dirty="0"/>
           </a:p>
@@ -6040,7 +6061,7 @@
           <p:cNvPr id="5" name="Content Placeholder 4">
             <a:extLst>
               <a:ext uri="{FF2B5EF4-FFF2-40B4-BE49-F238E27FC236}">
-                <a16:creationId xmlns:a16="http://schemas.microsoft.com/office/drawing/2014/main" id="{2958CA16-A38E-44CD-BCC9-EA7F37E5F24E}"/>
+                <a16:creationId xmlns:a16="http://schemas.microsoft.com/office/drawing/2014/main" id="{D2A0980D-A46C-4202-86AF-4E3A7C7E4657}"/>
               </a:ext>
             </a:extLst>
           </p:cNvPr>
@@ -6052,66 +6073,24 @@
           </p:nvPr>
         </p:nvPicPr>
         <p:blipFill>
-          <a:blip r:embed="rId2">
-            <a:extLst>
-              <a:ext uri="{28A0092B-C50C-407E-A947-70E740481C1C}">
-                <a14:useLocalDpi xmlns:a14="http://schemas.microsoft.com/office/drawing/2010/main" val="0"/>
-              </a:ext>
-            </a:extLst>
-          </a:blip>
+          <a:blip r:embed="rId2"/>
           <a:stretch>
             <a:fillRect/>
           </a:stretch>
         </p:blipFill>
         <p:spPr>
           <a:xfrm>
-            <a:off x="838200" y="2613035"/>
-            <a:ext cx="4901587" cy="3174603"/>
+            <a:off x="838199" y="1459335"/>
+            <a:ext cx="10612681" cy="3764418"/>
           </a:xfrm>
         </p:spPr>
       </p:pic>
-      <p:pic>
-        <p:nvPicPr>
-          <p:cNvPr id="7" name="Picture 6">
-            <a:extLst>
-              <a:ext uri="{FF2B5EF4-FFF2-40B4-BE49-F238E27FC236}">
-                <a16:creationId xmlns:a16="http://schemas.microsoft.com/office/drawing/2014/main" id="{6B792FAF-BBFC-4185-BADF-A4FE00722141}"/>
-              </a:ext>
-            </a:extLst>
-          </p:cNvPr>
-          <p:cNvPicPr>
-            <a:picLocks noChangeAspect="1"/>
-          </p:cNvPicPr>
-          <p:nvPr/>
-        </p:nvPicPr>
-        <p:blipFill>
-          <a:blip r:embed="rId3">
-            <a:extLst>
-              <a:ext uri="{28A0092B-C50C-407E-A947-70E740481C1C}">
-                <a14:useLocalDpi xmlns:a14="http://schemas.microsoft.com/office/drawing/2010/main" val="0"/>
-              </a:ext>
-            </a:extLst>
-          </a:blip>
-          <a:stretch>
-            <a:fillRect/>
-          </a:stretch>
-        </p:blipFill>
-        <p:spPr>
-          <a:xfrm>
-            <a:off x="6474447" y="2613035"/>
-            <a:ext cx="4901587" cy="3149206"/>
-          </a:xfrm>
-          <a:prstGeom prst="rect">
-            <a:avLst/>
-          </a:prstGeom>
-        </p:spPr>
-      </p:pic>
-      <p:sp>
-        <p:nvSpPr>
-          <p:cNvPr id="8" name="TextBox 7">
-            <a:extLst>
-              <a:ext uri="{FF2B5EF4-FFF2-40B4-BE49-F238E27FC236}">
-                <a16:creationId xmlns:a16="http://schemas.microsoft.com/office/drawing/2014/main" id="{A0D8A01C-4333-4490-BC0A-FEF44ADA9D85}"/>
+      <p:sp>
+        <p:nvSpPr>
+          <p:cNvPr id="6" name="TextBox 5">
+            <a:extLst>
+              <a:ext uri="{FF2B5EF4-FFF2-40B4-BE49-F238E27FC236}">
+                <a16:creationId xmlns:a16="http://schemas.microsoft.com/office/drawing/2014/main" id="{8EEFD541-B234-458D-9DA8-5E76B991739E}"/>
               </a:ext>
             </a:extLst>
           </p:cNvPr>
@@ -6120,8 +6099,8 @@
         </p:nvSpPr>
         <p:spPr>
           <a:xfrm>
-            <a:off x="1099226" y="5938361"/>
-            <a:ext cx="4484451" cy="369332"/>
+            <a:off x="953311" y="5136204"/>
+            <a:ext cx="10400489" cy="1200329"/>
           </a:xfrm>
           <a:prstGeom prst="rect">
             <a:avLst/>
@@ -6134,84 +6113,49 @@
           </a:bodyPr>
           <a:lstStyle/>
           <a:p>
-            <a:r>
-              <a:rPr lang="en-US" dirty="0"/>
-              <a:t>Gamma Distribution for “HQ”</a:t>
-            </a:r>
-            <a:endParaRPr lang="en-GB" dirty="0"/>
-          </a:p>
-        </p:txBody>
-      </p:sp>
-      <p:sp>
-        <p:nvSpPr>
-          <p:cNvPr id="9" name="TextBox 8">
-            <a:extLst>
-              <a:ext uri="{FF2B5EF4-FFF2-40B4-BE49-F238E27FC236}">
-                <a16:creationId xmlns:a16="http://schemas.microsoft.com/office/drawing/2014/main" id="{44925FA5-3C9F-49FF-ACE5-5DC30AC99F23}"/>
-              </a:ext>
-            </a:extLst>
-          </p:cNvPr>
-          <p:cNvSpPr txBox="1"/>
-          <p:nvPr/>
-        </p:nvSpPr>
-        <p:spPr>
-          <a:xfrm>
-            <a:off x="6789906" y="5938361"/>
-            <a:ext cx="4484451" cy="369332"/>
-          </a:xfrm>
-          <a:prstGeom prst="rect">
-            <a:avLst/>
-          </a:prstGeom>
-          <a:noFill/>
-        </p:spPr>
-        <p:txBody>
-          <a:bodyPr wrap="square" rtlCol="0">
-            <a:spAutoFit/>
-          </a:bodyPr>
-          <a:lstStyle/>
-          <a:p>
-            <a:r>
-              <a:rPr lang="en-US" dirty="0"/>
-              <a:t>Normal Distribution for “Stage”</a:t>
-            </a:r>
-            <a:endParaRPr lang="en-GB" dirty="0"/>
-          </a:p>
-        </p:txBody>
-      </p:sp>
-      <p:pic>
-        <p:nvPicPr>
-          <p:cNvPr id="11" name="Picture 10">
-            <a:extLst>
-              <a:ext uri="{FF2B5EF4-FFF2-40B4-BE49-F238E27FC236}">
-                <a16:creationId xmlns:a16="http://schemas.microsoft.com/office/drawing/2014/main" id="{686CC709-4463-4120-B41D-D2772E4E02DD}"/>
-              </a:ext>
-            </a:extLst>
-          </p:cNvPr>
-          <p:cNvPicPr>
-            <a:picLocks noChangeAspect="1"/>
-          </p:cNvPicPr>
-          <p:nvPr/>
-        </p:nvPicPr>
-        <p:blipFill>
-          <a:blip r:embed="rId4"/>
-          <a:stretch>
-            <a:fillRect/>
-          </a:stretch>
-        </p:blipFill>
-        <p:spPr>
-          <a:xfrm>
-            <a:off x="1141071" y="1539364"/>
-            <a:ext cx="9909857" cy="771624"/>
-          </a:xfrm>
-          <a:prstGeom prst="rect">
-            <a:avLst/>
-          </a:prstGeom>
-        </p:spPr>
-      </p:pic>
+            <a:pPr marL="285750" indent="-285750">
+              <a:buFont typeface="Arial" panose="020B0604020202020204" pitchFamily="34" charset="0"/>
+              <a:buChar char="•"/>
+            </a:pPr>
+            <a:r>
+              <a:rPr lang="en-US" sz="2400" dirty="0"/>
+              <a:t>We get a Gamma Distribution for the 4</a:t>
+            </a:r>
+            <a:r>
+              <a:rPr lang="en-US" sz="2400" baseline="30000" dirty="0"/>
+              <a:t>th</a:t>
+            </a:r>
+            <a:r>
+              <a:rPr lang="en-US" sz="2400" dirty="0"/>
+              <a:t> Principal Component, with</a:t>
+            </a:r>
+          </a:p>
+          <a:p>
+            <a:pPr marL="285750" indent="-285750">
+              <a:buFont typeface="Arial" panose="020B0604020202020204" pitchFamily="34" charset="0"/>
+              <a:buChar char="•"/>
+            </a:pPr>
+            <a:r>
+              <a:rPr lang="en-GB" sz="2400" dirty="0"/>
+              <a:t>AIC = 424.0305</a:t>
+            </a:r>
+          </a:p>
+          <a:p>
+            <a:pPr marL="285750" indent="-285750">
+              <a:buFont typeface="Arial" panose="020B0604020202020204" pitchFamily="34" charset="0"/>
+              <a:buChar char="•"/>
+            </a:pPr>
+            <a:r>
+              <a:rPr lang="en-GB" sz="2400" dirty="0"/>
+              <a:t>a = 39.2646, loc = -2.7505, scale = 0.07005</a:t>
+            </a:r>
+          </a:p>
+        </p:txBody>
+      </p:sp>
     </p:spTree>
     <p:extLst>
       <p:ext uri="{BB962C8B-B14F-4D97-AF65-F5344CB8AC3E}">
-        <p14:creationId xmlns:p14="http://schemas.microsoft.com/office/powerpoint/2010/main" val="3866917707"/>
+        <p14:creationId xmlns:p14="http://schemas.microsoft.com/office/powerpoint/2010/main" val="719803470"/>
       </p:ext>
     </p:extLst>
   </p:cSld>
@@ -6243,7 +6187,7 @@
           <p:cNvPr id="2" name="Title 1">
             <a:extLst>
               <a:ext uri="{FF2B5EF4-FFF2-40B4-BE49-F238E27FC236}">
-                <a16:creationId xmlns:a16="http://schemas.microsoft.com/office/drawing/2014/main" id="{AC7481C4-021D-4BEA-916F-38B980EFAB82}"/>
+                <a16:creationId xmlns:a16="http://schemas.microsoft.com/office/drawing/2014/main" id="{9A4F5E57-7FF9-4FC5-BA5F-4A78DEF6D56F}"/>
               </a:ext>
             </a:extLst>
           </p:cNvPr>
@@ -6261,7 +6205,7 @@
           <a:p>
             <a:r>
               <a:rPr lang="en-US" dirty="0"/>
-              <a:t>A DEA Problem…</a:t>
+              <a:t>A DEA Problem</a:t>
             </a:r>
             <a:endParaRPr lang="en-GB" dirty="0"/>
           </a:p>
@@ -6272,7 +6216,7 @@
           <p:cNvPr id="5" name="Content Placeholder 4">
             <a:extLst>
               <a:ext uri="{FF2B5EF4-FFF2-40B4-BE49-F238E27FC236}">
-                <a16:creationId xmlns:a16="http://schemas.microsoft.com/office/drawing/2014/main" id="{EED601E8-4581-4510-B034-563E8CBFA25B}"/>
+                <a16:creationId xmlns:a16="http://schemas.microsoft.com/office/drawing/2014/main" id="{65C030D5-57F5-407D-8FF2-EE9612D5CC7F}"/>
               </a:ext>
             </a:extLst>
           </p:cNvPr>
@@ -6284,100 +6228,22 @@
           </p:nvPr>
         </p:nvPicPr>
         <p:blipFill>
-          <a:blip r:embed="rId2">
-            <a:extLst>
-              <a:ext uri="{28A0092B-C50C-407E-A947-70E740481C1C}">
-                <a14:useLocalDpi xmlns:a14="http://schemas.microsoft.com/office/drawing/2010/main" val="0"/>
-              </a:ext>
-            </a:extLst>
-          </a:blip>
+          <a:blip r:embed="rId2"/>
           <a:stretch>
             <a:fillRect/>
           </a:stretch>
         </p:blipFill>
         <p:spPr>
           <a:xfrm>
-            <a:off x="838200" y="1514281"/>
-            <a:ext cx="4351338" cy="4351338"/>
-          </a:xfrm>
-        </p:spPr>
-      </p:pic>
-      <p:sp>
-        <p:nvSpPr>
-          <p:cNvPr id="6" name="TextBox 5">
-            <a:extLst>
-              <a:ext uri="{FF2B5EF4-FFF2-40B4-BE49-F238E27FC236}">
-                <a16:creationId xmlns:a16="http://schemas.microsoft.com/office/drawing/2014/main" id="{6F36B435-6C1E-4E55-B440-AAC4E8063EF4}"/>
-              </a:ext>
-            </a:extLst>
-          </p:cNvPr>
-          <p:cNvSpPr txBox="1"/>
-          <p:nvPr/>
-        </p:nvSpPr>
-        <p:spPr>
-          <a:xfrm>
-            <a:off x="2002192" y="6001966"/>
-            <a:ext cx="2023354" cy="369332"/>
-          </a:xfrm>
-          <a:prstGeom prst="rect">
-            <a:avLst/>
-          </a:prstGeom>
-          <a:noFill/>
-        </p:spPr>
-        <p:txBody>
-          <a:bodyPr wrap="square" rtlCol="0">
-            <a:spAutoFit/>
-          </a:bodyPr>
-          <a:lstStyle/>
-          <a:p>
-            <a:r>
-              <a:rPr lang="en-US" dirty="0"/>
-              <a:t>Attribute = ‘Stage’</a:t>
-            </a:r>
-            <a:endParaRPr lang="en-GB" dirty="0"/>
-          </a:p>
-        </p:txBody>
-      </p:sp>
-      <p:pic>
-        <p:nvPicPr>
-          <p:cNvPr id="8" name="Picture 7">
-            <a:extLst>
-              <a:ext uri="{FF2B5EF4-FFF2-40B4-BE49-F238E27FC236}">
-                <a16:creationId xmlns:a16="http://schemas.microsoft.com/office/drawing/2014/main" id="{6544032C-E7EC-455C-ADAB-3A639122F317}"/>
-              </a:ext>
-            </a:extLst>
-          </p:cNvPr>
-          <p:cNvPicPr>
-            <a:picLocks noChangeAspect="1"/>
-          </p:cNvPicPr>
-          <p:nvPr/>
-        </p:nvPicPr>
-        <p:blipFill>
-          <a:blip r:embed="rId3">
-            <a:extLst>
-              <a:ext uri="{28A0092B-C50C-407E-A947-70E740481C1C}">
-                <a14:useLocalDpi xmlns:a14="http://schemas.microsoft.com/office/drawing/2010/main" val="0"/>
-              </a:ext>
-            </a:extLst>
-          </a:blip>
-          <a:stretch>
-            <a:fillRect/>
-          </a:stretch>
-        </p:blipFill>
-        <p:spPr>
-          <a:xfrm>
-            <a:off x="7153082" y="1027906"/>
-            <a:ext cx="4393651" cy="5574603"/>
-          </a:xfrm>
-          <a:prstGeom prst="rect">
-            <a:avLst/>
-          </a:prstGeom>
+            <a:off x="1080686" y="1825625"/>
+            <a:ext cx="10030627" cy="4351338"/>
+          </a:xfrm>
         </p:spPr>
       </p:pic>
     </p:spTree>
     <p:extLst>
       <p:ext uri="{BB962C8B-B14F-4D97-AF65-F5344CB8AC3E}">
-        <p14:creationId xmlns:p14="http://schemas.microsoft.com/office/powerpoint/2010/main" val="3418138992"/>
+        <p14:creationId xmlns:p14="http://schemas.microsoft.com/office/powerpoint/2010/main" val="934791047"/>
       </p:ext>
     </p:extLst>
   </p:cSld>
@@ -6409,7 +6275,7 @@
           <p:cNvPr id="2" name="Title 1">
             <a:extLst>
               <a:ext uri="{FF2B5EF4-FFF2-40B4-BE49-F238E27FC236}">
-                <a16:creationId xmlns:a16="http://schemas.microsoft.com/office/drawing/2014/main" id="{337D83B8-4E29-4EFF-A960-806A85FED375}"/>
+                <a16:creationId xmlns:a16="http://schemas.microsoft.com/office/drawing/2014/main" id="{8A96F38D-3231-42E7-8C3A-FD81B4882DDD}"/>
               </a:ext>
             </a:extLst>
           </p:cNvPr>
@@ -6438,7 +6304,7 @@
           <p:cNvPr id="5" name="Content Placeholder 4">
             <a:extLst>
               <a:ext uri="{FF2B5EF4-FFF2-40B4-BE49-F238E27FC236}">
-                <a16:creationId xmlns:a16="http://schemas.microsoft.com/office/drawing/2014/main" id="{FF3E4FD6-4798-41B3-B741-8807A97465FC}"/>
+                <a16:creationId xmlns:a16="http://schemas.microsoft.com/office/drawing/2014/main" id="{2958CA16-A38E-44CD-BCC9-EA7F37E5F24E}"/>
               </a:ext>
             </a:extLst>
           </p:cNvPr>
@@ -6463,17 +6329,53 @@
         </p:blipFill>
         <p:spPr>
           <a:xfrm>
-            <a:off x="838200" y="1514340"/>
-            <a:ext cx="4055001" cy="5137872"/>
+            <a:off x="838200" y="2613035"/>
+            <a:ext cx="4901587" cy="3174603"/>
           </a:xfrm>
         </p:spPr>
       </p:pic>
-      <p:sp>
-        <p:nvSpPr>
-          <p:cNvPr id="6" name="TextBox 5">
-            <a:extLst>
-              <a:ext uri="{FF2B5EF4-FFF2-40B4-BE49-F238E27FC236}">
-                <a16:creationId xmlns:a16="http://schemas.microsoft.com/office/drawing/2014/main" id="{50D825E0-DD9C-4184-81AD-7A0CDE45E289}"/>
+      <p:pic>
+        <p:nvPicPr>
+          <p:cNvPr id="7" name="Picture 6">
+            <a:extLst>
+              <a:ext uri="{FF2B5EF4-FFF2-40B4-BE49-F238E27FC236}">
+                <a16:creationId xmlns:a16="http://schemas.microsoft.com/office/drawing/2014/main" id="{6B792FAF-BBFC-4185-BADF-A4FE00722141}"/>
+              </a:ext>
+            </a:extLst>
+          </p:cNvPr>
+          <p:cNvPicPr>
+            <a:picLocks noChangeAspect="1"/>
+          </p:cNvPicPr>
+          <p:nvPr/>
+        </p:nvPicPr>
+        <p:blipFill>
+          <a:blip r:embed="rId3">
+            <a:extLst>
+              <a:ext uri="{28A0092B-C50C-407E-A947-70E740481C1C}">
+                <a14:useLocalDpi xmlns:a14="http://schemas.microsoft.com/office/drawing/2010/main" val="0"/>
+              </a:ext>
+            </a:extLst>
+          </a:blip>
+          <a:stretch>
+            <a:fillRect/>
+          </a:stretch>
+        </p:blipFill>
+        <p:spPr>
+          <a:xfrm>
+            <a:off x="6474447" y="2613035"/>
+            <a:ext cx="4901587" cy="3149206"/>
+          </a:xfrm>
+          <a:prstGeom prst="rect">
+            <a:avLst/>
+          </a:prstGeom>
+        </p:spPr>
+      </p:pic>
+      <p:sp>
+        <p:nvSpPr>
+          <p:cNvPr id="8" name="TextBox 7">
+            <a:extLst>
+              <a:ext uri="{FF2B5EF4-FFF2-40B4-BE49-F238E27FC236}">
+                <a16:creationId xmlns:a16="http://schemas.microsoft.com/office/drawing/2014/main" id="{A0D8A01C-4333-4490-BC0A-FEF44ADA9D85}"/>
               </a:ext>
             </a:extLst>
           </p:cNvPr>
@@ -6482,8 +6384,8 @@
         </p:nvSpPr>
         <p:spPr>
           <a:xfrm>
-            <a:off x="5554494" y="2274838"/>
-            <a:ext cx="5429655" cy="2308324"/>
+            <a:off x="1099226" y="5938361"/>
+            <a:ext cx="4484451" cy="369332"/>
           </a:xfrm>
           <a:prstGeom prst="rect">
             <a:avLst/>
@@ -6497,16 +6399,83 @@
           <a:lstStyle/>
           <a:p>
             <a:r>
-              <a:rPr lang="en-US" sz="2400" dirty="0"/>
-              <a:t>With the given assumptions, HQ_UK has been found to have the largest value in order to optimize the problem of maximizing delivery to HQ in a hypothetical data entry or allocation process</a:t>
-            </a:r>
-          </a:p>
-        </p:txBody>
-      </p:sp>
+              <a:rPr lang="en-US" dirty="0"/>
+              <a:t>Gamma Distribution for “HQ”</a:t>
+            </a:r>
+            <a:endParaRPr lang="en-GB" dirty="0"/>
+          </a:p>
+        </p:txBody>
+      </p:sp>
+      <p:sp>
+        <p:nvSpPr>
+          <p:cNvPr id="9" name="TextBox 8">
+            <a:extLst>
+              <a:ext uri="{FF2B5EF4-FFF2-40B4-BE49-F238E27FC236}">
+                <a16:creationId xmlns:a16="http://schemas.microsoft.com/office/drawing/2014/main" id="{44925FA5-3C9F-49FF-ACE5-5DC30AC99F23}"/>
+              </a:ext>
+            </a:extLst>
+          </p:cNvPr>
+          <p:cNvSpPr txBox="1"/>
+          <p:nvPr/>
+        </p:nvSpPr>
+        <p:spPr>
+          <a:xfrm>
+            <a:off x="6789906" y="5938361"/>
+            <a:ext cx="4484451" cy="369332"/>
+          </a:xfrm>
+          <a:prstGeom prst="rect">
+            <a:avLst/>
+          </a:prstGeom>
+          <a:noFill/>
+        </p:spPr>
+        <p:txBody>
+          <a:bodyPr wrap="square" rtlCol="0">
+            <a:spAutoFit/>
+          </a:bodyPr>
+          <a:lstStyle/>
+          <a:p>
+            <a:r>
+              <a:rPr lang="en-US" dirty="0"/>
+              <a:t>Normal Distribution for “Stage”</a:t>
+            </a:r>
+            <a:endParaRPr lang="en-GB" dirty="0"/>
+          </a:p>
+        </p:txBody>
+      </p:sp>
+      <p:pic>
+        <p:nvPicPr>
+          <p:cNvPr id="11" name="Picture 10">
+            <a:extLst>
+              <a:ext uri="{FF2B5EF4-FFF2-40B4-BE49-F238E27FC236}">
+                <a16:creationId xmlns:a16="http://schemas.microsoft.com/office/drawing/2014/main" id="{686CC709-4463-4120-B41D-D2772E4E02DD}"/>
+              </a:ext>
+            </a:extLst>
+          </p:cNvPr>
+          <p:cNvPicPr>
+            <a:picLocks noChangeAspect="1"/>
+          </p:cNvPicPr>
+          <p:nvPr/>
+        </p:nvPicPr>
+        <p:blipFill>
+          <a:blip r:embed="rId4"/>
+          <a:stretch>
+            <a:fillRect/>
+          </a:stretch>
+        </p:blipFill>
+        <p:spPr>
+          <a:xfrm>
+            <a:off x="1141071" y="1539364"/>
+            <a:ext cx="9909857" cy="771624"/>
+          </a:xfrm>
+          <a:prstGeom prst="rect">
+            <a:avLst/>
+          </a:prstGeom>
+        </p:spPr>
+      </p:pic>
     </p:spTree>
     <p:extLst>
       <p:ext uri="{BB962C8B-B14F-4D97-AF65-F5344CB8AC3E}">
-        <p14:creationId xmlns:p14="http://schemas.microsoft.com/office/powerpoint/2010/main" val="1865592815"/>
+        <p14:creationId xmlns:p14="http://schemas.microsoft.com/office/powerpoint/2010/main" val="3866917707"/>
       </p:ext>
     </p:extLst>
   </p:cSld>
@@ -6538,7 +6507,7 @@
           <p:cNvPr id="2" name="Title 1">
             <a:extLst>
               <a:ext uri="{FF2B5EF4-FFF2-40B4-BE49-F238E27FC236}">
-                <a16:creationId xmlns:a16="http://schemas.microsoft.com/office/drawing/2014/main" id="{E5CCEA18-2F85-4DEE-9BAC-10490A810B83}"/>
+                <a16:creationId xmlns:a16="http://schemas.microsoft.com/office/drawing/2014/main" id="{AC7481C4-021D-4BEA-916F-38B980EFAB82}"/>
               </a:ext>
             </a:extLst>
           </p:cNvPr>
@@ -6567,7 +6536,7 @@
           <p:cNvPr id="5" name="Content Placeholder 4">
             <a:extLst>
               <a:ext uri="{FF2B5EF4-FFF2-40B4-BE49-F238E27FC236}">
-                <a16:creationId xmlns:a16="http://schemas.microsoft.com/office/drawing/2014/main" id="{5A4ECDE3-F3AE-4B56-9108-81EF473D29C5}"/>
+                <a16:creationId xmlns:a16="http://schemas.microsoft.com/office/drawing/2014/main" id="{EED601E8-4581-4510-B034-563E8CBFA25B}"/>
               </a:ext>
             </a:extLst>
           </p:cNvPr>
@@ -6579,15 +6548,21 @@
           </p:nvPr>
         </p:nvPicPr>
         <p:blipFill>
-          <a:blip r:embed="rId2"/>
+          <a:blip r:embed="rId2">
+            <a:extLst>
+              <a:ext uri="{28A0092B-C50C-407E-A947-70E740481C1C}">
+                <a14:useLocalDpi xmlns:a14="http://schemas.microsoft.com/office/drawing/2010/main" val="0"/>
+              </a:ext>
+            </a:extLst>
+          </a:blip>
           <a:stretch>
             <a:fillRect/>
           </a:stretch>
         </p:blipFill>
         <p:spPr>
           <a:xfrm>
-            <a:off x="1132305" y="2107737"/>
-            <a:ext cx="9927390" cy="4351338"/>
+            <a:off x="838200" y="1514281"/>
+            <a:ext cx="4351338" cy="4351338"/>
           </a:xfrm>
         </p:spPr>
       </p:pic>
@@ -6596,7 +6571,7 @@
           <p:cNvPr id="6" name="TextBox 5">
             <a:extLst>
               <a:ext uri="{FF2B5EF4-FFF2-40B4-BE49-F238E27FC236}">
-                <a16:creationId xmlns:a16="http://schemas.microsoft.com/office/drawing/2014/main" id="{D7243F3F-4FE0-4950-8753-327B80CB318F}"/>
+                <a16:creationId xmlns:a16="http://schemas.microsoft.com/office/drawing/2014/main" id="{6F36B435-6C1E-4E55-B440-AAC4E8063EF4}"/>
               </a:ext>
             </a:extLst>
           </p:cNvPr>
@@ -6605,8 +6580,8 @@
         </p:nvSpPr>
         <p:spPr>
           <a:xfrm>
-            <a:off x="1132305" y="1507787"/>
-            <a:ext cx="9927390" cy="369332"/>
+            <a:off x="2002192" y="6001966"/>
+            <a:ext cx="2023354" cy="369332"/>
           </a:xfrm>
           <a:prstGeom prst="rect">
             <a:avLst/>
@@ -6621,16 +6596,52 @@
           <a:p>
             <a:r>
               <a:rPr lang="en-US" dirty="0"/>
-              <a:t>Switching to optimizing the classification problem by Stage through HQ_UK</a:t>
+              <a:t>Attribute = ‘Stage’</a:t>
             </a:r>
             <a:endParaRPr lang="en-GB" dirty="0"/>
           </a:p>
         </p:txBody>
       </p:sp>
+      <p:pic>
+        <p:nvPicPr>
+          <p:cNvPr id="8" name="Picture 7">
+            <a:extLst>
+              <a:ext uri="{FF2B5EF4-FFF2-40B4-BE49-F238E27FC236}">
+                <a16:creationId xmlns:a16="http://schemas.microsoft.com/office/drawing/2014/main" id="{6544032C-E7EC-455C-ADAB-3A639122F317}"/>
+              </a:ext>
+            </a:extLst>
+          </p:cNvPr>
+          <p:cNvPicPr>
+            <a:picLocks noChangeAspect="1"/>
+          </p:cNvPicPr>
+          <p:nvPr/>
+        </p:nvPicPr>
+        <p:blipFill>
+          <a:blip r:embed="rId3">
+            <a:extLst>
+              <a:ext uri="{28A0092B-C50C-407E-A947-70E740481C1C}">
+                <a14:useLocalDpi xmlns:a14="http://schemas.microsoft.com/office/drawing/2010/main" val="0"/>
+              </a:ext>
+            </a:extLst>
+          </a:blip>
+          <a:stretch>
+            <a:fillRect/>
+          </a:stretch>
+        </p:blipFill>
+        <p:spPr>
+          <a:xfrm>
+            <a:off x="7153082" y="1027906"/>
+            <a:ext cx="4393651" cy="5574603"/>
+          </a:xfrm>
+          <a:prstGeom prst="rect">
+            <a:avLst/>
+          </a:prstGeom>
+        </p:spPr>
+      </p:pic>
     </p:spTree>
     <p:extLst>
       <p:ext uri="{BB962C8B-B14F-4D97-AF65-F5344CB8AC3E}">
-        <p14:creationId xmlns:p14="http://schemas.microsoft.com/office/powerpoint/2010/main" val="2672917273"/>
+        <p14:creationId xmlns:p14="http://schemas.microsoft.com/office/powerpoint/2010/main" val="3418138992"/>
       </p:ext>
     </p:extLst>
   </p:cSld>
@@ -6662,7 +6673,7 @@
           <p:cNvPr id="2" name="Title 1">
             <a:extLst>
               <a:ext uri="{FF2B5EF4-FFF2-40B4-BE49-F238E27FC236}">
-                <a16:creationId xmlns:a16="http://schemas.microsoft.com/office/drawing/2014/main" id="{E1259401-D0DA-4284-AECE-C4FD722E9593}"/>
+                <a16:creationId xmlns:a16="http://schemas.microsoft.com/office/drawing/2014/main" id="{337D83B8-4E29-4EFF-A960-806A85FED375}"/>
               </a:ext>
             </a:extLst>
           </p:cNvPr>
@@ -6686,47 +6697,21 @@
           </a:p>
         </p:txBody>
       </p:sp>
-      <p:sp>
-        <p:nvSpPr>
-          <p:cNvPr id="3" name="Content Placeholder 2">
-            <a:extLst>
-              <a:ext uri="{FF2B5EF4-FFF2-40B4-BE49-F238E27FC236}">
-                <a16:creationId xmlns:a16="http://schemas.microsoft.com/office/drawing/2014/main" id="{A2C8226C-28B8-4965-9377-A9C4F598B259}"/>
-              </a:ext>
-            </a:extLst>
-          </p:cNvPr>
-          <p:cNvSpPr>
-            <a:spLocks noGrp="1"/>
-          </p:cNvSpPr>
-          <p:nvPr>
-            <p:ph idx="1"/>
-          </p:nvPr>
-        </p:nvSpPr>
-        <p:spPr/>
-        <p:txBody>
-          <a:bodyPr/>
-          <a:lstStyle/>
-          <a:p>
-            <a:pPr marL="0" indent="0">
-              <a:buNone/>
-            </a:pPr>
-            <a:endParaRPr lang="en-GB" dirty="0"/>
-          </a:p>
-        </p:txBody>
-      </p:sp>
       <p:pic>
         <p:nvPicPr>
-          <p:cNvPr id="2050" name="Picture 2">
-            <a:extLst>
-              <a:ext uri="{FF2B5EF4-FFF2-40B4-BE49-F238E27FC236}">
-                <a16:creationId xmlns:a16="http://schemas.microsoft.com/office/drawing/2014/main" id="{EA355C25-28F8-4A56-8A5D-DF346765C4A5}"/>
+          <p:cNvPr id="5" name="Content Placeholder 4">
+            <a:extLst>
+              <a:ext uri="{FF2B5EF4-FFF2-40B4-BE49-F238E27FC236}">
+                <a16:creationId xmlns:a16="http://schemas.microsoft.com/office/drawing/2014/main" id="{FF3E4FD6-4798-41B3-B741-8807A97465FC}"/>
               </a:ext>
             </a:extLst>
           </p:cNvPr>
           <p:cNvPicPr>
-            <a:picLocks noChangeAspect="1" noChangeArrowheads="1"/>
+            <a:picLocks noGrp="1" noChangeAspect="1"/>
           </p:cNvPicPr>
-          <p:nvPr/>
+          <p:nvPr>
+            <p:ph idx="1"/>
+          </p:nvPr>
         </p:nvPicPr>
         <p:blipFill>
           <a:blip r:embed="rId2">
@@ -6736,99 +6721,38 @@
               </a:ext>
             </a:extLst>
           </a:blip>
-          <a:srcRect/>
           <a:stretch>
             <a:fillRect/>
           </a:stretch>
         </p:blipFill>
-        <p:spPr bwMode="auto">
-          <a:xfrm>
-            <a:off x="1054099" y="2135930"/>
-            <a:ext cx="4908670" cy="3165644"/>
+        <p:spPr>
+          <a:xfrm>
+            <a:off x="838200" y="1514340"/>
+            <a:ext cx="4055001" cy="5137872"/>
+          </a:xfrm>
+        </p:spPr>
+      </p:pic>
+      <p:sp>
+        <p:nvSpPr>
+          <p:cNvPr id="6" name="TextBox 5">
+            <a:extLst>
+              <a:ext uri="{FF2B5EF4-FFF2-40B4-BE49-F238E27FC236}">
+                <a16:creationId xmlns:a16="http://schemas.microsoft.com/office/drawing/2014/main" id="{50D825E0-DD9C-4184-81AD-7A0CDE45E289}"/>
+              </a:ext>
+            </a:extLst>
+          </p:cNvPr>
+          <p:cNvSpPr txBox="1"/>
+          <p:nvPr/>
+        </p:nvSpPr>
+        <p:spPr>
+          <a:xfrm>
+            <a:off x="5554494" y="2274838"/>
+            <a:ext cx="5429655" cy="2308324"/>
           </a:xfrm>
           <a:prstGeom prst="rect">
             <a:avLst/>
           </a:prstGeom>
           <a:noFill/>
-          <a:extLst>
-            <a:ext uri="{909E8E84-426E-40DD-AFC4-6F175D3DCCD1}">
-              <a14:hiddenFill xmlns:a14="http://schemas.microsoft.com/office/drawing/2010/main">
-                <a:solidFill>
-                  <a:srgbClr val="FFFFFF"/>
-                </a:solidFill>
-              </a14:hiddenFill>
-            </a:ext>
-          </a:extLst>
-        </p:spPr>
-      </p:pic>
-      <p:pic>
-        <p:nvPicPr>
-          <p:cNvPr id="2052" name="Picture 4">
-            <a:extLst>
-              <a:ext uri="{FF2B5EF4-FFF2-40B4-BE49-F238E27FC236}">
-                <a16:creationId xmlns:a16="http://schemas.microsoft.com/office/drawing/2014/main" id="{41702D28-720E-458A-B3D6-079CC360E9AD}"/>
-              </a:ext>
-            </a:extLst>
-          </p:cNvPr>
-          <p:cNvPicPr>
-            <a:picLocks noChangeAspect="1" noChangeArrowheads="1"/>
-          </p:cNvPicPr>
-          <p:nvPr/>
-        </p:nvPicPr>
-        <p:blipFill>
-          <a:blip r:embed="rId3">
-            <a:extLst>
-              <a:ext uri="{28A0092B-C50C-407E-A947-70E740481C1C}">
-                <a14:useLocalDpi xmlns:a14="http://schemas.microsoft.com/office/drawing/2010/main" val="0"/>
-              </a:ext>
-            </a:extLst>
-          </a:blip>
-          <a:srcRect/>
-          <a:stretch>
-            <a:fillRect/>
-          </a:stretch>
-        </p:blipFill>
-        <p:spPr bwMode="auto">
-          <a:xfrm>
-            <a:off x="6086018" y="2135930"/>
-            <a:ext cx="5011201" cy="3165644"/>
-          </a:xfrm>
-          <a:prstGeom prst="rect">
-            <a:avLst/>
-          </a:prstGeom>
-          <a:noFill/>
-          <a:extLst>
-            <a:ext uri="{909E8E84-426E-40DD-AFC4-6F175D3DCCD1}">
-              <a14:hiddenFill xmlns:a14="http://schemas.microsoft.com/office/drawing/2010/main">
-                <a:solidFill>
-                  <a:srgbClr val="FFFFFF"/>
-                </a:solidFill>
-              </a14:hiddenFill>
-            </a:ext>
-          </a:extLst>
-        </p:spPr>
-      </p:pic>
-      <p:sp>
-        <p:nvSpPr>
-          <p:cNvPr id="6" name="TextBox 5">
-            <a:extLst>
-              <a:ext uri="{FF2B5EF4-FFF2-40B4-BE49-F238E27FC236}">
-                <a16:creationId xmlns:a16="http://schemas.microsoft.com/office/drawing/2014/main" id="{CBA9F475-E737-40FD-B670-A48EC4DBCAFF}"/>
-              </a:ext>
-            </a:extLst>
-          </p:cNvPr>
-          <p:cNvSpPr txBox="1"/>
-          <p:nvPr/>
-        </p:nvSpPr>
-        <p:spPr>
-          <a:xfrm>
-            <a:off x="2015238" y="5436511"/>
-            <a:ext cx="2986391" cy="369332"/>
-          </a:xfrm>
-          <a:prstGeom prst="rect">
-            <a:avLst/>
-          </a:prstGeom>
-          <a:noFill/>
         </p:spPr>
         <p:txBody>
           <a:bodyPr wrap="square" rtlCol="0">
@@ -6837,53 +6761,16 @@
           <a:lstStyle/>
           <a:p>
             <a:r>
-              <a:rPr lang="en-US" dirty="0"/>
-              <a:t>Gamma Distribution for “HQ”</a:t>
-            </a:r>
-            <a:endParaRPr lang="en-GB" dirty="0"/>
-          </a:p>
-        </p:txBody>
-      </p:sp>
-      <p:sp>
-        <p:nvSpPr>
-          <p:cNvPr id="8" name="TextBox 7">
-            <a:extLst>
-              <a:ext uri="{FF2B5EF4-FFF2-40B4-BE49-F238E27FC236}">
-                <a16:creationId xmlns:a16="http://schemas.microsoft.com/office/drawing/2014/main" id="{FF569AB0-AAA8-450D-9A4A-720D3F521FA6}"/>
-              </a:ext>
-            </a:extLst>
-          </p:cNvPr>
-          <p:cNvSpPr txBox="1"/>
-          <p:nvPr/>
-        </p:nvSpPr>
-        <p:spPr>
-          <a:xfrm>
-            <a:off x="7190373" y="5369936"/>
-            <a:ext cx="3218234" cy="369332"/>
-          </a:xfrm>
-          <a:prstGeom prst="rect">
-            <a:avLst/>
-          </a:prstGeom>
-          <a:noFill/>
-        </p:spPr>
-        <p:txBody>
-          <a:bodyPr wrap="square" rtlCol="0">
-            <a:spAutoFit/>
-          </a:bodyPr>
-          <a:lstStyle/>
-          <a:p>
-            <a:r>
-              <a:rPr lang="en-US" dirty="0"/>
-              <a:t>Normal Distribution for “Stage”</a:t>
-            </a:r>
-            <a:endParaRPr lang="en-GB" dirty="0"/>
+              <a:rPr lang="en-US" sz="2400" dirty="0"/>
+              <a:t>With the given assumptions, HQ_UK has been found to have the largest value in order to optimize the problem of maximizing delivery to HQ in a hypothetical data entry or allocation process</a:t>
+            </a:r>
           </a:p>
         </p:txBody>
       </p:sp>
     </p:spTree>
     <p:extLst>
       <p:ext uri="{BB962C8B-B14F-4D97-AF65-F5344CB8AC3E}">
-        <p14:creationId xmlns:p14="http://schemas.microsoft.com/office/powerpoint/2010/main" val="3417822959"/>
+        <p14:creationId xmlns:p14="http://schemas.microsoft.com/office/powerpoint/2010/main" val="1865592815"/>
       </p:ext>
     </p:extLst>
   </p:cSld>
@@ -6915,7 +6802,7 @@
           <p:cNvPr id="2" name="Title 1">
             <a:extLst>
               <a:ext uri="{FF2B5EF4-FFF2-40B4-BE49-F238E27FC236}">
-                <a16:creationId xmlns:a16="http://schemas.microsoft.com/office/drawing/2014/main" id="{5EE47C5D-A91E-4C92-A620-B79B4253727B}"/>
+                <a16:creationId xmlns:a16="http://schemas.microsoft.com/office/drawing/2014/main" id="{E5CCEA18-2F85-4DEE-9BAC-10490A810B83}"/>
               </a:ext>
             </a:extLst>
           </p:cNvPr>
@@ -6939,143 +6826,75 @@
           </a:p>
         </p:txBody>
       </p:sp>
-      <p:sp>
-        <p:nvSpPr>
-          <p:cNvPr id="3" name="Content Placeholder 2">
-            <a:extLst>
-              <a:ext uri="{FF2B5EF4-FFF2-40B4-BE49-F238E27FC236}">
-                <a16:creationId xmlns:a16="http://schemas.microsoft.com/office/drawing/2014/main" id="{DB33536C-3BA8-472A-A487-0DC9DC09DE62}"/>
-              </a:ext>
-            </a:extLst>
-          </p:cNvPr>
-          <p:cNvSpPr>
-            <a:spLocks noGrp="1"/>
-          </p:cNvSpPr>
-          <p:nvPr>
-            <p:ph idx="1"/>
-          </p:nvPr>
-        </p:nvSpPr>
-        <p:spPr>
-          <a:xfrm>
-            <a:off x="4233659" y="1825625"/>
-            <a:ext cx="3395458" cy="4351338"/>
-          </a:xfrm>
-        </p:spPr>
-        <p:txBody>
-          <a:bodyPr>
-            <a:normAutofit/>
-          </a:bodyPr>
-          <a:lstStyle/>
-          <a:p>
-            <a:pPr marL="0" indent="0">
-              <a:buNone/>
-            </a:pPr>
-            <a:r>
-              <a:rPr lang="en-US" dirty="0"/>
-              <a:t>In optimizing the classification by the Stage Attribute, the output domain is showing large value for Seed Funding Stage and HQ_Austria is showing the largest value for the input domain</a:t>
-            </a:r>
-            <a:endParaRPr lang="en-GB" dirty="0"/>
-          </a:p>
-        </p:txBody>
-      </p:sp>
       <p:pic>
         <p:nvPicPr>
-          <p:cNvPr id="3074" name="Picture 2">
-            <a:extLst>
-              <a:ext uri="{FF2B5EF4-FFF2-40B4-BE49-F238E27FC236}">
-                <a16:creationId xmlns:a16="http://schemas.microsoft.com/office/drawing/2014/main" id="{36403FAA-9BC3-4B5B-82FE-7071E782F5B5}"/>
+          <p:cNvPr id="5" name="Content Placeholder 4">
+            <a:extLst>
+              <a:ext uri="{FF2B5EF4-FFF2-40B4-BE49-F238E27FC236}">
+                <a16:creationId xmlns:a16="http://schemas.microsoft.com/office/drawing/2014/main" id="{5A4ECDE3-F3AE-4B56-9108-81EF473D29C5}"/>
               </a:ext>
             </a:extLst>
           </p:cNvPr>
           <p:cNvPicPr>
-            <a:picLocks noChangeAspect="1" noChangeArrowheads="1"/>
+            <a:picLocks noGrp="1" noChangeAspect="1"/>
           </p:cNvPicPr>
-          <p:nvPr/>
+          <p:nvPr>
+            <p:ph idx="1"/>
+          </p:nvPr>
         </p:nvPicPr>
         <p:blipFill>
-          <a:blip r:embed="rId2">
-            <a:extLst>
-              <a:ext uri="{28A0092B-C50C-407E-A947-70E740481C1C}">
-                <a14:useLocalDpi xmlns:a14="http://schemas.microsoft.com/office/drawing/2010/main" val="0"/>
-              </a:ext>
-            </a:extLst>
-          </a:blip>
-          <a:srcRect/>
+          <a:blip r:embed="rId2"/>
           <a:stretch>
             <a:fillRect/>
           </a:stretch>
         </p:blipFill>
-        <p:spPr bwMode="auto">
-          <a:xfrm>
-            <a:off x="160405" y="1511283"/>
-            <a:ext cx="4073254" cy="5160998"/>
+        <p:spPr>
+          <a:xfrm>
+            <a:off x="1132305" y="2107737"/>
+            <a:ext cx="9927390" cy="4351338"/>
+          </a:xfrm>
+        </p:spPr>
+      </p:pic>
+      <p:sp>
+        <p:nvSpPr>
+          <p:cNvPr id="6" name="TextBox 5">
+            <a:extLst>
+              <a:ext uri="{FF2B5EF4-FFF2-40B4-BE49-F238E27FC236}">
+                <a16:creationId xmlns:a16="http://schemas.microsoft.com/office/drawing/2014/main" id="{D7243F3F-4FE0-4950-8753-327B80CB318F}"/>
+              </a:ext>
+            </a:extLst>
+          </p:cNvPr>
+          <p:cNvSpPr txBox="1"/>
+          <p:nvPr/>
+        </p:nvSpPr>
+        <p:spPr>
+          <a:xfrm>
+            <a:off x="1132305" y="1507787"/>
+            <a:ext cx="9927390" cy="369332"/>
           </a:xfrm>
           <a:prstGeom prst="rect">
             <a:avLst/>
           </a:prstGeom>
           <a:noFill/>
-          <a:extLst>
-            <a:ext uri="{909E8E84-426E-40DD-AFC4-6F175D3DCCD1}">
-              <a14:hiddenFill xmlns:a14="http://schemas.microsoft.com/office/drawing/2010/main">
-                <a:solidFill>
-                  <a:srgbClr val="FFFFFF"/>
-                </a:solidFill>
-              </a14:hiddenFill>
-            </a:ext>
-          </a:extLst>
-        </p:spPr>
-      </p:pic>
-      <p:pic>
-        <p:nvPicPr>
-          <p:cNvPr id="3076" name="Picture 4">
-            <a:extLst>
-              <a:ext uri="{FF2B5EF4-FFF2-40B4-BE49-F238E27FC236}">
-                <a16:creationId xmlns:a16="http://schemas.microsoft.com/office/drawing/2014/main" id="{74DE804D-5756-4E5E-9E41-1FE076D75F50}"/>
-              </a:ext>
-            </a:extLst>
-          </p:cNvPr>
-          <p:cNvPicPr>
-            <a:picLocks noChangeAspect="1" noChangeArrowheads="1"/>
-          </p:cNvPicPr>
-          <p:nvPr/>
-        </p:nvPicPr>
-        <p:blipFill>
-          <a:blip r:embed="rId3">
-            <a:extLst>
-              <a:ext uri="{28A0092B-C50C-407E-A947-70E740481C1C}">
-                <a14:useLocalDpi xmlns:a14="http://schemas.microsoft.com/office/drawing/2010/main" val="0"/>
-              </a:ext>
-            </a:extLst>
-          </a:blip>
-          <a:srcRect/>
-          <a:stretch>
-            <a:fillRect/>
-          </a:stretch>
-        </p:blipFill>
-        <p:spPr bwMode="auto">
-          <a:xfrm>
-            <a:off x="7629117" y="1324786"/>
-            <a:ext cx="4073255" cy="5168089"/>
-          </a:xfrm>
-          <a:prstGeom prst="rect">
-            <a:avLst/>
-          </a:prstGeom>
-          <a:noFill/>
-          <a:extLst>
-            <a:ext uri="{909E8E84-426E-40DD-AFC4-6F175D3DCCD1}">
-              <a14:hiddenFill xmlns:a14="http://schemas.microsoft.com/office/drawing/2010/main">
-                <a:solidFill>
-                  <a:srgbClr val="FFFFFF"/>
-                </a:solidFill>
-              </a14:hiddenFill>
-            </a:ext>
-          </a:extLst>
-        </p:spPr>
-      </p:pic>
+        </p:spPr>
+        <p:txBody>
+          <a:bodyPr wrap="square" rtlCol="0">
+            <a:spAutoFit/>
+          </a:bodyPr>
+          <a:lstStyle/>
+          <a:p>
+            <a:r>
+              <a:rPr lang="en-US" dirty="0"/>
+              <a:t>Switching to optimizing the classification problem by Stage through HQ_UK</a:t>
+            </a:r>
+            <a:endParaRPr lang="en-GB" dirty="0"/>
+          </a:p>
+        </p:txBody>
+      </p:sp>
     </p:spTree>
     <p:extLst>
       <p:ext uri="{BB962C8B-B14F-4D97-AF65-F5344CB8AC3E}">
-        <p14:creationId xmlns:p14="http://schemas.microsoft.com/office/powerpoint/2010/main" val="57236492"/>
+        <p14:creationId xmlns:p14="http://schemas.microsoft.com/office/powerpoint/2010/main" val="2672917273"/>
       </p:ext>
     </p:extLst>
   </p:cSld>
@@ -7246,7 +7065,7 @@
           <p:cNvPr id="2" name="Title 1">
             <a:extLst>
               <a:ext uri="{FF2B5EF4-FFF2-40B4-BE49-F238E27FC236}">
-                <a16:creationId xmlns:a16="http://schemas.microsoft.com/office/drawing/2014/main" id="{09143232-D0CE-4C65-9ED1-901045CAD3EE}"/>
+                <a16:creationId xmlns:a16="http://schemas.microsoft.com/office/drawing/2014/main" id="{E1259401-D0DA-4284-AECE-C4FD722E9593}"/>
               </a:ext>
             </a:extLst>
           </p:cNvPr>
@@ -7264,7 +7083,7 @@
           <a:p>
             <a:r>
               <a:rPr lang="en-US" dirty="0"/>
-              <a:t>Suggestions of Causality…</a:t>
+              <a:t>A DEA Problem…</a:t>
             </a:r>
             <a:endParaRPr lang="en-GB" dirty="0"/>
           </a:p>
@@ -7275,7 +7094,7 @@
           <p:cNvPr id="3" name="Content Placeholder 2">
             <a:extLst>
               <a:ext uri="{FF2B5EF4-FFF2-40B4-BE49-F238E27FC236}">
-                <a16:creationId xmlns:a16="http://schemas.microsoft.com/office/drawing/2014/main" id="{4B2A552E-99CB-4570-9D00-BB17A5BA5B66}"/>
+                <a16:creationId xmlns:a16="http://schemas.microsoft.com/office/drawing/2014/main" id="{A2C8226C-28B8-4965-9377-A9C4F598B259}"/>
               </a:ext>
             </a:extLst>
           </p:cNvPr>
@@ -7286,59 +7105,179 @@
             <p:ph idx="1"/>
           </p:nvPr>
         </p:nvSpPr>
+        <p:spPr/>
+        <p:txBody>
+          <a:bodyPr/>
+          <a:lstStyle/>
+          <a:p>
+            <a:pPr marL="0" indent="0">
+              <a:buNone/>
+            </a:pPr>
+            <a:endParaRPr lang="en-GB" dirty="0"/>
+          </a:p>
+        </p:txBody>
+      </p:sp>
+      <p:pic>
+        <p:nvPicPr>
+          <p:cNvPr id="2050" name="Picture 2">
+            <a:extLst>
+              <a:ext uri="{FF2B5EF4-FFF2-40B4-BE49-F238E27FC236}">
+                <a16:creationId xmlns:a16="http://schemas.microsoft.com/office/drawing/2014/main" id="{EA355C25-28F8-4A56-8A5D-DF346765C4A5}"/>
+              </a:ext>
+            </a:extLst>
+          </p:cNvPr>
+          <p:cNvPicPr>
+            <a:picLocks noChangeAspect="1" noChangeArrowheads="1"/>
+          </p:cNvPicPr>
+          <p:nvPr/>
+        </p:nvPicPr>
+        <p:blipFill>
+          <a:blip r:embed="rId2">
+            <a:extLst>
+              <a:ext uri="{28A0092B-C50C-407E-A947-70E740481C1C}">
+                <a14:useLocalDpi xmlns:a14="http://schemas.microsoft.com/office/drawing/2010/main" val="0"/>
+              </a:ext>
+            </a:extLst>
+          </a:blip>
+          <a:srcRect/>
+          <a:stretch>
+            <a:fillRect/>
+          </a:stretch>
+        </p:blipFill>
+        <p:spPr bwMode="auto">
+          <a:xfrm>
+            <a:off x="1054099" y="2135930"/>
+            <a:ext cx="4908670" cy="3165644"/>
+          </a:xfrm>
+          <a:prstGeom prst="rect">
+            <a:avLst/>
+          </a:prstGeom>
+          <a:noFill/>
+          <a:extLst>
+            <a:ext uri="{909E8E84-426E-40DD-AFC4-6F175D3DCCD1}">
+              <a14:hiddenFill xmlns:a14="http://schemas.microsoft.com/office/drawing/2010/main">
+                <a:solidFill>
+                  <a:srgbClr val="FFFFFF"/>
+                </a:solidFill>
+              </a14:hiddenFill>
+            </a:ext>
+          </a:extLst>
+        </p:spPr>
+      </p:pic>
+      <p:pic>
+        <p:nvPicPr>
+          <p:cNvPr id="2052" name="Picture 4">
+            <a:extLst>
+              <a:ext uri="{FF2B5EF4-FFF2-40B4-BE49-F238E27FC236}">
+                <a16:creationId xmlns:a16="http://schemas.microsoft.com/office/drawing/2014/main" id="{41702D28-720E-458A-B3D6-079CC360E9AD}"/>
+              </a:ext>
+            </a:extLst>
+          </p:cNvPr>
+          <p:cNvPicPr>
+            <a:picLocks noChangeAspect="1" noChangeArrowheads="1"/>
+          </p:cNvPicPr>
+          <p:nvPr/>
+        </p:nvPicPr>
+        <p:blipFill>
+          <a:blip r:embed="rId3">
+            <a:extLst>
+              <a:ext uri="{28A0092B-C50C-407E-A947-70E740481C1C}">
+                <a14:useLocalDpi xmlns:a14="http://schemas.microsoft.com/office/drawing/2010/main" val="0"/>
+              </a:ext>
+            </a:extLst>
+          </a:blip>
+          <a:srcRect/>
+          <a:stretch>
+            <a:fillRect/>
+          </a:stretch>
+        </p:blipFill>
+        <p:spPr bwMode="auto">
+          <a:xfrm>
+            <a:off x="6086018" y="2135930"/>
+            <a:ext cx="5011201" cy="3165644"/>
+          </a:xfrm>
+          <a:prstGeom prst="rect">
+            <a:avLst/>
+          </a:prstGeom>
+          <a:noFill/>
+          <a:extLst>
+            <a:ext uri="{909E8E84-426E-40DD-AFC4-6F175D3DCCD1}">
+              <a14:hiddenFill xmlns:a14="http://schemas.microsoft.com/office/drawing/2010/main">
+                <a:solidFill>
+                  <a:srgbClr val="FFFFFF"/>
+                </a:solidFill>
+              </a14:hiddenFill>
+            </a:ext>
+          </a:extLst>
+        </p:spPr>
+      </p:pic>
+      <p:sp>
+        <p:nvSpPr>
+          <p:cNvPr id="6" name="TextBox 5">
+            <a:extLst>
+              <a:ext uri="{FF2B5EF4-FFF2-40B4-BE49-F238E27FC236}">
+                <a16:creationId xmlns:a16="http://schemas.microsoft.com/office/drawing/2014/main" id="{CBA9F475-E737-40FD-B670-A48EC4DBCAFF}"/>
+              </a:ext>
+            </a:extLst>
+          </p:cNvPr>
+          <p:cNvSpPr txBox="1"/>
+          <p:nvPr/>
+        </p:nvSpPr>
         <p:spPr>
           <a:xfrm>
-            <a:off x="838200" y="1825625"/>
-            <a:ext cx="10515600" cy="4789184"/>
-          </a:xfrm>
-        </p:spPr>
-        <p:txBody>
-          <a:bodyPr>
-            <a:normAutofit/>
+            <a:off x="2015238" y="5436511"/>
+            <a:ext cx="2986391" cy="369332"/>
+          </a:xfrm>
+          <a:prstGeom prst="rect">
+            <a:avLst/>
+          </a:prstGeom>
+          <a:noFill/>
+        </p:spPr>
+        <p:txBody>
+          <a:bodyPr wrap="square" rtlCol="0">
+            <a:spAutoFit/>
           </a:bodyPr>
           <a:lstStyle/>
           <a:p>
             <a:r>
               <a:rPr lang="en-US" dirty="0"/>
-              <a:t>Continent_Europe and Continent_North America have been actively maintained, hence they posses min and max values respectively in PCA transformation in 1</a:t>
-            </a:r>
-            <a:r>
-              <a:rPr lang="en-US" baseline="30000" dirty="0"/>
-              <a:t>st</a:t>
-            </a:r>
+              <a:t>Gamma Distribution for “HQ”</a:t>
+            </a:r>
+            <a:endParaRPr lang="en-GB" dirty="0"/>
+          </a:p>
+        </p:txBody>
+      </p:sp>
+      <p:sp>
+        <p:nvSpPr>
+          <p:cNvPr id="8" name="TextBox 7">
+            <a:extLst>
+              <a:ext uri="{FF2B5EF4-FFF2-40B4-BE49-F238E27FC236}">
+                <a16:creationId xmlns:a16="http://schemas.microsoft.com/office/drawing/2014/main" id="{FF569AB0-AAA8-450D-9A4A-720D3F521FA6}"/>
+              </a:ext>
+            </a:extLst>
+          </p:cNvPr>
+          <p:cNvSpPr txBox="1"/>
+          <p:nvPr/>
+        </p:nvSpPr>
+        <p:spPr>
+          <a:xfrm>
+            <a:off x="7190373" y="5369936"/>
+            <a:ext cx="3218234" cy="369332"/>
+          </a:xfrm>
+          <a:prstGeom prst="rect">
+            <a:avLst/>
+          </a:prstGeom>
+          <a:noFill/>
+        </p:spPr>
+        <p:txBody>
+          <a:bodyPr wrap="square" rtlCol="0">
+            <a:spAutoFit/>
+          </a:bodyPr>
+          <a:lstStyle/>
+          <a:p>
             <a:r>
               <a:rPr lang="en-US" dirty="0"/>
-              <a:t> Principal Component in opposite directions</a:t>
-            </a:r>
-          </a:p>
-          <a:p>
-            <a:r>
-              <a:rPr lang="en-GB" dirty="0"/>
-              <a:t>HQ_US and HQ_UK have been actively maintained, hence they possess min and max values respectively in PCA transformation in 2</a:t>
-            </a:r>
-            <a:r>
-              <a:rPr lang="en-GB" baseline="30000" dirty="0"/>
-              <a:t>nd</a:t>
-            </a:r>
-            <a:r>
-              <a:rPr lang="en-GB" dirty="0"/>
-              <a:t> Principal Component, also in opposite directions</a:t>
-            </a:r>
-          </a:p>
-          <a:p>
-            <a:r>
-              <a:rPr lang="en-GB" dirty="0"/>
-              <a:t>Seed Funding and Series Funding are distributed across the dataset as per the TSNE Embedding</a:t>
-            </a:r>
-          </a:p>
-          <a:p>
-            <a:r>
-              <a:rPr lang="en-GB" dirty="0"/>
-              <a:t>The data distribution shows a continuity in Seed Funding allocations and a wide spacing between certain groups of funding as per </a:t>
-            </a:r>
-            <a:r>
-              <a:rPr lang="en-GB" dirty="0" err="1"/>
-              <a:t>SpectralEmbedding</a:t>
+              <a:t>Normal Distribution for “Stage”</a:t>
             </a:r>
             <a:endParaRPr lang="en-GB" dirty="0"/>
           </a:p>
@@ -7347,7 +7286,7 @@
     </p:spTree>
     <p:extLst>
       <p:ext uri="{BB962C8B-B14F-4D97-AF65-F5344CB8AC3E}">
-        <p14:creationId xmlns:p14="http://schemas.microsoft.com/office/powerpoint/2010/main" val="1365320522"/>
+        <p14:creationId xmlns:p14="http://schemas.microsoft.com/office/powerpoint/2010/main" val="3417822959"/>
       </p:ext>
     </p:extLst>
   </p:cSld>
@@ -7379,7 +7318,7 @@
           <p:cNvPr id="2" name="Title 1">
             <a:extLst>
               <a:ext uri="{FF2B5EF4-FFF2-40B4-BE49-F238E27FC236}">
-                <a16:creationId xmlns:a16="http://schemas.microsoft.com/office/drawing/2014/main" id="{09143232-D0CE-4C65-9ED1-901045CAD3EE}"/>
+                <a16:creationId xmlns:a16="http://schemas.microsoft.com/office/drawing/2014/main" id="{5EE47C5D-A91E-4C92-A620-B79B4253727B}"/>
               </a:ext>
             </a:extLst>
           </p:cNvPr>
@@ -7397,7 +7336,7 @@
           <a:p>
             <a:r>
               <a:rPr lang="en-US" dirty="0"/>
-              <a:t>Suggestions of Causality…</a:t>
+              <a:t>A DEA Problem…</a:t>
             </a:r>
             <a:endParaRPr lang="en-GB" dirty="0"/>
           </a:p>
@@ -7408,7 +7347,7 @@
           <p:cNvPr id="3" name="Content Placeholder 2">
             <a:extLst>
               <a:ext uri="{FF2B5EF4-FFF2-40B4-BE49-F238E27FC236}">
-                <a16:creationId xmlns:a16="http://schemas.microsoft.com/office/drawing/2014/main" id="{4B2A552E-99CB-4570-9D00-BB17A5BA5B66}"/>
+                <a16:creationId xmlns:a16="http://schemas.microsoft.com/office/drawing/2014/main" id="{DB33536C-3BA8-472A-A487-0DC9DC09DE62}"/>
               </a:ext>
             </a:extLst>
           </p:cNvPr>
@@ -7421,8 +7360,8 @@
         </p:nvSpPr>
         <p:spPr>
           <a:xfrm>
-            <a:off x="838200" y="1825625"/>
-            <a:ext cx="10515600" cy="4789184"/>
+            <a:off x="4233659" y="1825625"/>
+            <a:ext cx="3395458" cy="4351338"/>
           </a:xfrm>
         </p:spPr>
         <p:txBody>
@@ -7431,38 +7370,115 @@
           </a:bodyPr>
           <a:lstStyle/>
           <a:p>
-            <a:r>
-              <a:rPr lang="en-US" dirty="0" err="1"/>
-              <a:t>Month_February</a:t>
-            </a:r>
+            <a:pPr marL="0" indent="0">
+              <a:buNone/>
+            </a:pPr>
             <a:r>
               <a:rPr lang="en-US" dirty="0"/>
-              <a:t>, </a:t>
-            </a:r>
-            <a:r>
-              <a:rPr lang="en-US" dirty="0" err="1"/>
-              <a:t>Month_March</a:t>
-            </a:r>
-            <a:r>
-              <a:rPr lang="en-US" dirty="0"/>
-              <a:t> and </a:t>
-            </a:r>
-            <a:r>
-              <a:rPr lang="en-US" dirty="0" err="1"/>
-              <a:t>Month_December</a:t>
-            </a:r>
-            <a:r>
-              <a:rPr lang="en-US" dirty="0"/>
-              <a:t> show a high correlation among each other at the Funding Allocation</a:t>
+              <a:t>In optimizing the classification by the Stage Attribute, the output domain is showing large value for Seed Funding Stage and HQ_Austria is showing the largest value for the input domain</a:t>
             </a:r>
             <a:endParaRPr lang="en-GB" dirty="0"/>
           </a:p>
         </p:txBody>
       </p:sp>
+      <p:pic>
+        <p:nvPicPr>
+          <p:cNvPr id="3074" name="Picture 2">
+            <a:extLst>
+              <a:ext uri="{FF2B5EF4-FFF2-40B4-BE49-F238E27FC236}">
+                <a16:creationId xmlns:a16="http://schemas.microsoft.com/office/drawing/2014/main" id="{36403FAA-9BC3-4B5B-82FE-7071E782F5B5}"/>
+              </a:ext>
+            </a:extLst>
+          </p:cNvPr>
+          <p:cNvPicPr>
+            <a:picLocks noChangeAspect="1" noChangeArrowheads="1"/>
+          </p:cNvPicPr>
+          <p:nvPr/>
+        </p:nvPicPr>
+        <p:blipFill>
+          <a:blip r:embed="rId2">
+            <a:extLst>
+              <a:ext uri="{28A0092B-C50C-407E-A947-70E740481C1C}">
+                <a14:useLocalDpi xmlns:a14="http://schemas.microsoft.com/office/drawing/2010/main" val="0"/>
+              </a:ext>
+            </a:extLst>
+          </a:blip>
+          <a:srcRect/>
+          <a:stretch>
+            <a:fillRect/>
+          </a:stretch>
+        </p:blipFill>
+        <p:spPr bwMode="auto">
+          <a:xfrm>
+            <a:off x="160405" y="1511283"/>
+            <a:ext cx="4073254" cy="5160998"/>
+          </a:xfrm>
+          <a:prstGeom prst="rect">
+            <a:avLst/>
+          </a:prstGeom>
+          <a:noFill/>
+          <a:extLst>
+            <a:ext uri="{909E8E84-426E-40DD-AFC4-6F175D3DCCD1}">
+              <a14:hiddenFill xmlns:a14="http://schemas.microsoft.com/office/drawing/2010/main">
+                <a:solidFill>
+                  <a:srgbClr val="FFFFFF"/>
+                </a:solidFill>
+              </a14:hiddenFill>
+            </a:ext>
+          </a:extLst>
+        </p:spPr>
+      </p:pic>
+      <p:pic>
+        <p:nvPicPr>
+          <p:cNvPr id="3076" name="Picture 4">
+            <a:extLst>
+              <a:ext uri="{FF2B5EF4-FFF2-40B4-BE49-F238E27FC236}">
+                <a16:creationId xmlns:a16="http://schemas.microsoft.com/office/drawing/2014/main" id="{74DE804D-5756-4E5E-9E41-1FE076D75F50}"/>
+              </a:ext>
+            </a:extLst>
+          </p:cNvPr>
+          <p:cNvPicPr>
+            <a:picLocks noChangeAspect="1" noChangeArrowheads="1"/>
+          </p:cNvPicPr>
+          <p:nvPr/>
+        </p:nvPicPr>
+        <p:blipFill>
+          <a:blip r:embed="rId3">
+            <a:extLst>
+              <a:ext uri="{28A0092B-C50C-407E-A947-70E740481C1C}">
+                <a14:useLocalDpi xmlns:a14="http://schemas.microsoft.com/office/drawing/2010/main" val="0"/>
+              </a:ext>
+            </a:extLst>
+          </a:blip>
+          <a:srcRect/>
+          <a:stretch>
+            <a:fillRect/>
+          </a:stretch>
+        </p:blipFill>
+        <p:spPr bwMode="auto">
+          <a:xfrm>
+            <a:off x="7629117" y="1324786"/>
+            <a:ext cx="4073255" cy="5168089"/>
+          </a:xfrm>
+          <a:prstGeom prst="rect">
+            <a:avLst/>
+          </a:prstGeom>
+          <a:noFill/>
+          <a:extLst>
+            <a:ext uri="{909E8E84-426E-40DD-AFC4-6F175D3DCCD1}">
+              <a14:hiddenFill xmlns:a14="http://schemas.microsoft.com/office/drawing/2010/main">
+                <a:solidFill>
+                  <a:srgbClr val="FFFFFF"/>
+                </a:solidFill>
+              </a14:hiddenFill>
+            </a:ext>
+          </a:extLst>
+        </p:spPr>
+      </p:pic>
     </p:spTree>
     <p:extLst>
       <p:ext uri="{BB962C8B-B14F-4D97-AF65-F5344CB8AC3E}">
-        <p14:creationId xmlns:p14="http://schemas.microsoft.com/office/powerpoint/2010/main" val="1591248500"/>
+        <p14:creationId xmlns:p14="http://schemas.microsoft.com/office/powerpoint/2010/main" val="57236492"/>
       </p:ext>
     </p:extLst>
   </p:cSld>
@@ -7494,6 +7510,254 @@
           <p:cNvPr id="2" name="Title 1">
             <a:extLst>
               <a:ext uri="{FF2B5EF4-FFF2-40B4-BE49-F238E27FC236}">
+                <a16:creationId xmlns:a16="http://schemas.microsoft.com/office/drawing/2014/main" id="{09143232-D0CE-4C65-9ED1-901045CAD3EE}"/>
+              </a:ext>
+            </a:extLst>
+          </p:cNvPr>
+          <p:cNvSpPr>
+            <a:spLocks noGrp="1"/>
+          </p:cNvSpPr>
+          <p:nvPr>
+            <p:ph type="title"/>
+          </p:nvPr>
+        </p:nvSpPr>
+        <p:spPr/>
+        <p:txBody>
+          <a:bodyPr/>
+          <a:lstStyle/>
+          <a:p>
+            <a:r>
+              <a:rPr lang="en-US" dirty="0"/>
+              <a:t>Suggestions of Causality…</a:t>
+            </a:r>
+            <a:endParaRPr lang="en-GB" dirty="0"/>
+          </a:p>
+        </p:txBody>
+      </p:sp>
+      <p:sp>
+        <p:nvSpPr>
+          <p:cNvPr id="3" name="Content Placeholder 2">
+            <a:extLst>
+              <a:ext uri="{FF2B5EF4-FFF2-40B4-BE49-F238E27FC236}">
+                <a16:creationId xmlns:a16="http://schemas.microsoft.com/office/drawing/2014/main" id="{4B2A552E-99CB-4570-9D00-BB17A5BA5B66}"/>
+              </a:ext>
+            </a:extLst>
+          </p:cNvPr>
+          <p:cNvSpPr>
+            <a:spLocks noGrp="1"/>
+          </p:cNvSpPr>
+          <p:nvPr>
+            <p:ph idx="1"/>
+          </p:nvPr>
+        </p:nvSpPr>
+        <p:spPr>
+          <a:xfrm>
+            <a:off x="838200" y="1825625"/>
+            <a:ext cx="10515600" cy="4789184"/>
+          </a:xfrm>
+        </p:spPr>
+        <p:txBody>
+          <a:bodyPr>
+            <a:normAutofit/>
+          </a:bodyPr>
+          <a:lstStyle/>
+          <a:p>
+            <a:r>
+              <a:rPr lang="en-US" dirty="0"/>
+              <a:t>Continent_Europe and Continent_North America have been actively maintained, hence they posses min and max values respectively in PCA transformation in 1</a:t>
+            </a:r>
+            <a:r>
+              <a:rPr lang="en-US" baseline="30000" dirty="0"/>
+              <a:t>st</a:t>
+            </a:r>
+            <a:r>
+              <a:rPr lang="en-US" dirty="0"/>
+              <a:t> Principal Component in opposite directions</a:t>
+            </a:r>
+          </a:p>
+          <a:p>
+            <a:r>
+              <a:rPr lang="en-GB" dirty="0"/>
+              <a:t>HQ_US and HQ_UK have been actively maintained, hence they possess min and max values respectively in PCA transformation in 2</a:t>
+            </a:r>
+            <a:r>
+              <a:rPr lang="en-GB" baseline="30000" dirty="0"/>
+              <a:t>nd</a:t>
+            </a:r>
+            <a:r>
+              <a:rPr lang="en-GB" dirty="0"/>
+              <a:t> Principal Component, also in opposite directions</a:t>
+            </a:r>
+          </a:p>
+          <a:p>
+            <a:r>
+              <a:rPr lang="en-GB" dirty="0"/>
+              <a:t>Seed Funding and Series Funding are distributed across the dataset as per the TSNE Embedding</a:t>
+            </a:r>
+          </a:p>
+          <a:p>
+            <a:r>
+              <a:rPr lang="en-GB" dirty="0"/>
+              <a:t>The data distribution shows a continuity in Seed Funding allocations and a wide spacing between certain groups of funding as per </a:t>
+            </a:r>
+            <a:r>
+              <a:rPr lang="en-GB" dirty="0" err="1"/>
+              <a:t>SpectralEmbedding</a:t>
+            </a:r>
+            <a:endParaRPr lang="en-GB" dirty="0"/>
+          </a:p>
+        </p:txBody>
+      </p:sp>
+    </p:spTree>
+    <p:extLst>
+      <p:ext uri="{BB962C8B-B14F-4D97-AF65-F5344CB8AC3E}">
+        <p14:creationId xmlns:p14="http://schemas.microsoft.com/office/powerpoint/2010/main" val="1365320522"/>
+      </p:ext>
+    </p:extLst>
+  </p:cSld>
+  <p:clrMapOvr>
+    <a:masterClrMapping/>
+  </p:clrMapOvr>
+</p:sld>
+</file>
+
+<file path=ppt/slides/slide33.xml><?xml version="1.0" encoding="utf-8"?>
+<p:sld xmlns:a="http://schemas.openxmlformats.org/drawingml/2006/main" xmlns:r="http://schemas.openxmlformats.org/officeDocument/2006/relationships" xmlns:p="http://schemas.openxmlformats.org/presentationml/2006/main">
+  <p:cSld>
+    <p:spTree>
+      <p:nvGrpSpPr>
+        <p:cNvPr id="1" name=""/>
+        <p:cNvGrpSpPr/>
+        <p:nvPr/>
+      </p:nvGrpSpPr>
+      <p:grpSpPr>
+        <a:xfrm>
+          <a:off x="0" y="0"/>
+          <a:ext cx="0" cy="0"/>
+          <a:chOff x="0" y="0"/>
+          <a:chExt cx="0" cy="0"/>
+        </a:xfrm>
+      </p:grpSpPr>
+      <p:sp>
+        <p:nvSpPr>
+          <p:cNvPr id="2" name="Title 1">
+            <a:extLst>
+              <a:ext uri="{FF2B5EF4-FFF2-40B4-BE49-F238E27FC236}">
+                <a16:creationId xmlns:a16="http://schemas.microsoft.com/office/drawing/2014/main" id="{09143232-D0CE-4C65-9ED1-901045CAD3EE}"/>
+              </a:ext>
+            </a:extLst>
+          </p:cNvPr>
+          <p:cNvSpPr>
+            <a:spLocks noGrp="1"/>
+          </p:cNvSpPr>
+          <p:nvPr>
+            <p:ph type="title"/>
+          </p:nvPr>
+        </p:nvSpPr>
+        <p:spPr/>
+        <p:txBody>
+          <a:bodyPr/>
+          <a:lstStyle/>
+          <a:p>
+            <a:r>
+              <a:rPr lang="en-US" dirty="0"/>
+              <a:t>Suggestions of Causality…</a:t>
+            </a:r>
+            <a:endParaRPr lang="en-GB" dirty="0"/>
+          </a:p>
+        </p:txBody>
+      </p:sp>
+      <p:sp>
+        <p:nvSpPr>
+          <p:cNvPr id="3" name="Content Placeholder 2">
+            <a:extLst>
+              <a:ext uri="{FF2B5EF4-FFF2-40B4-BE49-F238E27FC236}">
+                <a16:creationId xmlns:a16="http://schemas.microsoft.com/office/drawing/2014/main" id="{4B2A552E-99CB-4570-9D00-BB17A5BA5B66}"/>
+              </a:ext>
+            </a:extLst>
+          </p:cNvPr>
+          <p:cNvSpPr>
+            <a:spLocks noGrp="1"/>
+          </p:cNvSpPr>
+          <p:nvPr>
+            <p:ph idx="1"/>
+          </p:nvPr>
+        </p:nvSpPr>
+        <p:spPr>
+          <a:xfrm>
+            <a:off x="838200" y="1825625"/>
+            <a:ext cx="10515600" cy="4789184"/>
+          </a:xfrm>
+        </p:spPr>
+        <p:txBody>
+          <a:bodyPr>
+            <a:normAutofit/>
+          </a:bodyPr>
+          <a:lstStyle/>
+          <a:p>
+            <a:r>
+              <a:rPr lang="en-US" dirty="0" err="1"/>
+              <a:t>Month_February</a:t>
+            </a:r>
+            <a:r>
+              <a:rPr lang="en-US" dirty="0"/>
+              <a:t>, </a:t>
+            </a:r>
+            <a:r>
+              <a:rPr lang="en-US" dirty="0" err="1"/>
+              <a:t>Month_March</a:t>
+            </a:r>
+            <a:r>
+              <a:rPr lang="en-US" dirty="0"/>
+              <a:t> and </a:t>
+            </a:r>
+            <a:r>
+              <a:rPr lang="en-US" dirty="0" err="1"/>
+              <a:t>Month_December</a:t>
+            </a:r>
+            <a:r>
+              <a:rPr lang="en-US" dirty="0"/>
+              <a:t> show a high correlation among each other at the Funding Allocation</a:t>
+            </a:r>
+            <a:endParaRPr lang="en-GB" dirty="0"/>
+          </a:p>
+        </p:txBody>
+      </p:sp>
+    </p:spTree>
+    <p:extLst>
+      <p:ext uri="{BB962C8B-B14F-4D97-AF65-F5344CB8AC3E}">
+        <p14:creationId xmlns:p14="http://schemas.microsoft.com/office/powerpoint/2010/main" val="1591248500"/>
+      </p:ext>
+    </p:extLst>
+  </p:cSld>
+  <p:clrMapOvr>
+    <a:masterClrMapping/>
+  </p:clrMapOvr>
+</p:sld>
+</file>
+
+<file path=ppt/slides/slide34.xml><?xml version="1.0" encoding="utf-8"?>
+<p:sld xmlns:a="http://schemas.openxmlformats.org/drawingml/2006/main" xmlns:r="http://schemas.openxmlformats.org/officeDocument/2006/relationships" xmlns:p="http://schemas.openxmlformats.org/presentationml/2006/main">
+  <p:cSld>
+    <p:spTree>
+      <p:nvGrpSpPr>
+        <p:cNvPr id="1" name=""/>
+        <p:cNvGrpSpPr/>
+        <p:nvPr/>
+      </p:nvGrpSpPr>
+      <p:grpSpPr>
+        <a:xfrm>
+          <a:off x="0" y="0"/>
+          <a:ext cx="0" cy="0"/>
+          <a:chOff x="0" y="0"/>
+          <a:chExt cx="0" cy="0"/>
+        </a:xfrm>
+      </p:grpSpPr>
+      <p:sp>
+        <p:nvSpPr>
+          <p:cNvPr id="2" name="Title 1">
+            <a:extLst>
+              <a:ext uri="{FF2B5EF4-FFF2-40B4-BE49-F238E27FC236}">
                 <a16:creationId xmlns:a16="http://schemas.microsoft.com/office/drawing/2014/main" id="{DFD21051-12CA-4F48-B3B9-A52E78C6C2D1}"/>
               </a:ext>
             </a:extLst>
@@ -7584,7 +7848,7 @@
 </p:sld>
 </file>
 
-<file path=ppt/slides/slide33.xml><?xml version="1.0" encoding="utf-8"?>
+<file path=ppt/slides/slide35.xml><?xml version="1.0" encoding="utf-8"?>
 <p:sld xmlns:a="http://schemas.openxmlformats.org/drawingml/2006/main" xmlns:r="http://schemas.openxmlformats.org/officeDocument/2006/relationships" xmlns:p="http://schemas.openxmlformats.org/presentationml/2006/main">
   <p:cSld>
     <p:spTree>
